--- a/JAVA_11302_Tetris.pptx
+++ b/JAVA_11302_Tetris.pptx
@@ -23,23 +23,12 @@
       <p:regular r:id="rId11"/>
     </p:embeddedFont>
     <p:embeddedFont>
-      <p:font typeface="Cousine Bold" panose="02020500000000000000" charset="0"/>
+      <p:font typeface="Cousine" panose="02020500000000000000" charset="0"/>
       <p:regular r:id="rId12"/>
     </p:embeddedFont>
     <p:embeddedFont>
-      <p:font typeface="Calibri" panose="020F0502020204030204" pitchFamily="34" charset="0"/>
+      <p:font typeface="Cousine Bold" panose="02020500000000000000" charset="0"/>
       <p:regular r:id="rId13"/>
-      <p:bold r:id="rId14"/>
-      <p:italic r:id="rId15"/>
-      <p:boldItalic r:id="rId16"/>
-    </p:embeddedFont>
-    <p:embeddedFont>
-      <p:font typeface="Cousine" panose="02020500000000000000" charset="0"/>
-      <p:regular r:id="rId17"/>
-    </p:embeddedFont>
-    <p:embeddedFont>
-      <p:font typeface="Canva Sans" panose="02020500000000000000" charset="0"/>
-      <p:regular r:id="rId18"/>
     </p:embeddedFont>
   </p:embeddedFontLst>
   <p:defaultTextStyle>
@@ -156,6 +145,50 @@
 </p:presentation>
 </file>
 
+<file path=ppt/changesInfos/changesInfo1.xml><?xml version="1.0" encoding="utf-8"?>
+<pc:chgInfo xmlns:a="http://schemas.openxmlformats.org/drawingml/2006/main" xmlns:r="http://schemas.openxmlformats.org/officeDocument/2006/relationships" xmlns:ac="http://schemas.microsoft.com/office/drawing/2013/main/command" xmlns:pc="http://schemas.microsoft.com/office/powerpoint/2013/main/command">
+  <pc:docChgLst>
+    <pc:chgData name="予肴 胡" userId="4e92ff7d817eeba2" providerId="LiveId" clId="{AC097C94-92DF-4BAC-AF09-064B76CD0B1F}"/>
+    <pc:docChg chg="modSld">
+      <pc:chgData name="予肴 胡" userId="4e92ff7d817eeba2" providerId="LiveId" clId="{AC097C94-92DF-4BAC-AF09-064B76CD0B1F}" dt="2025-05-26T07:33:46.716" v="45" actId="14100"/>
+      <pc:docMkLst>
+        <pc:docMk/>
+      </pc:docMkLst>
+      <pc:sldChg chg="modSp mod">
+        <pc:chgData name="予肴 胡" userId="4e92ff7d817eeba2" providerId="LiveId" clId="{AC097C94-92DF-4BAC-AF09-064B76CD0B1F}" dt="2025-05-26T07:33:04.282" v="44" actId="20577"/>
+        <pc:sldMkLst>
+          <pc:docMk/>
+          <pc:sldMk cId="0" sldId="259"/>
+        </pc:sldMkLst>
+        <pc:spChg chg="mod">
+          <ac:chgData name="予肴 胡" userId="4e92ff7d817eeba2" providerId="LiveId" clId="{AC097C94-92DF-4BAC-AF09-064B76CD0B1F}" dt="2025-05-26T07:33:04.282" v="44" actId="20577"/>
+          <ac:spMkLst>
+            <pc:docMk/>
+            <pc:sldMk cId="0" sldId="259"/>
+            <ac:spMk id="30" creationId="{00000000-0000-0000-0000-000000000000}"/>
+          </ac:spMkLst>
+        </pc:spChg>
+      </pc:sldChg>
+      <pc:sldChg chg="modSp mod">
+        <pc:chgData name="予肴 胡" userId="4e92ff7d817eeba2" providerId="LiveId" clId="{AC097C94-92DF-4BAC-AF09-064B76CD0B1F}" dt="2025-05-26T07:33:46.716" v="45" actId="14100"/>
+        <pc:sldMkLst>
+          <pc:docMk/>
+          <pc:sldMk cId="0" sldId="263"/>
+        </pc:sldMkLst>
+        <pc:spChg chg="mod">
+          <ac:chgData name="予肴 胡" userId="4e92ff7d817eeba2" providerId="LiveId" clId="{AC097C94-92DF-4BAC-AF09-064B76CD0B1F}" dt="2025-05-26T07:33:46.716" v="45" actId="14100"/>
+          <ac:spMkLst>
+            <pc:docMk/>
+            <pc:sldMk cId="0" sldId="263"/>
+            <ac:spMk id="33" creationId="{00000000-0000-0000-0000-000000000000}"/>
+          </ac:spMkLst>
+        </pc:spChg>
+      </pc:sldChg>
+    </pc:docChg>
+  </pc:docChgLst>
+</pc:chgInfo>
+</file>
+
 <file path=ppt/slideLayouts/slideLayout1.xml><?xml version="1.0" encoding="utf-8"?>
 <p:sldLayout xmlns:a="http://schemas.openxmlformats.org/drawingml/2006/main" xmlns:r="http://schemas.openxmlformats.org/officeDocument/2006/relationships" xmlns:p="http://schemas.openxmlformats.org/presentationml/2006/main" type="title" preserve="1">
   <p:cSld name="Title Slide">
@@ -194,10 +227,9 @@
           <a:lstStyle/>
           <a:p>
             <a:r>
-              <a:rPr lang="en-US" smtClean="0"/>
+              <a:rPr lang="en-US"/>
               <a:t>Click to edit Master title style</a:t>
             </a:r>
-            <a:endParaRPr lang="en-US"/>
           </a:p>
         </p:txBody>
       </p:sp>
@@ -313,10 +345,9 @@
           </a:lstStyle>
           <a:p>
             <a:r>
-              <a:rPr lang="en-US" smtClean="0"/>
+              <a:rPr lang="en-US"/>
               <a:t>Click to edit Master subtitle style</a:t>
             </a:r>
-            <a:endParaRPr lang="en-US"/>
           </a:p>
         </p:txBody>
       </p:sp>
@@ -338,7 +369,7 @@
             <a:fld id="{1D8BD707-D9CF-40AE-B4C6-C98DA3205C09}" type="datetimeFigureOut">
               <a:rPr lang="en-US" smtClean="0"/>
               <a:pPr/>
-              <a:t>5/23/2025</a:t>
+              <a:t>5/26/2025</a:t>
             </a:fld>
             <a:endParaRPr lang="en-US"/>
           </a:p>
@@ -428,10 +459,9 @@
           <a:lstStyle/>
           <a:p>
             <a:r>
-              <a:rPr lang="en-US" smtClean="0"/>
+              <a:rPr lang="en-US"/>
               <a:t>Click to edit Master title style</a:t>
             </a:r>
-            <a:endParaRPr lang="en-US"/>
           </a:p>
         </p:txBody>
       </p:sp>
@@ -452,38 +482,37 @@
           <a:p>
             <a:pPr lvl="0"/>
             <a:r>
-              <a:rPr lang="en-US" smtClean="0"/>
+              <a:rPr lang="en-US"/>
               <a:t>Click to edit Master text styles</a:t>
             </a:r>
           </a:p>
           <a:p>
             <a:pPr lvl="1"/>
             <a:r>
-              <a:rPr lang="en-US" smtClean="0"/>
+              <a:rPr lang="en-US"/>
               <a:t>Second level</a:t>
             </a:r>
           </a:p>
           <a:p>
             <a:pPr lvl="2"/>
             <a:r>
-              <a:rPr lang="en-US" smtClean="0"/>
+              <a:rPr lang="en-US"/>
               <a:t>Third level</a:t>
             </a:r>
           </a:p>
           <a:p>
             <a:pPr lvl="3"/>
             <a:r>
-              <a:rPr lang="en-US" smtClean="0"/>
+              <a:rPr lang="en-US"/>
               <a:t>Fourth level</a:t>
             </a:r>
           </a:p>
           <a:p>
             <a:pPr lvl="4"/>
             <a:r>
-              <a:rPr lang="en-US" smtClean="0"/>
+              <a:rPr lang="en-US"/>
               <a:t>Fifth level</a:t>
             </a:r>
-            <a:endParaRPr lang="en-US"/>
           </a:p>
         </p:txBody>
       </p:sp>
@@ -505,7 +534,7 @@
             <a:fld id="{1D8BD707-D9CF-40AE-B4C6-C98DA3205C09}" type="datetimeFigureOut">
               <a:rPr lang="en-US" smtClean="0"/>
               <a:pPr/>
-              <a:t>5/23/2025</a:t>
+              <a:t>5/26/2025</a:t>
             </a:fld>
             <a:endParaRPr lang="en-US"/>
           </a:p>
@@ -600,10 +629,9 @@
           <a:lstStyle/>
           <a:p>
             <a:r>
-              <a:rPr lang="en-US" smtClean="0"/>
+              <a:rPr lang="en-US"/>
               <a:t>Click to edit Master title style</a:t>
             </a:r>
-            <a:endParaRPr lang="en-US"/>
           </a:p>
         </p:txBody>
       </p:sp>
@@ -629,38 +657,37 @@
           <a:p>
             <a:pPr lvl="0"/>
             <a:r>
-              <a:rPr lang="en-US" smtClean="0"/>
+              <a:rPr lang="en-US"/>
               <a:t>Click to edit Master text styles</a:t>
             </a:r>
           </a:p>
           <a:p>
             <a:pPr lvl="1"/>
             <a:r>
-              <a:rPr lang="en-US" smtClean="0"/>
+              <a:rPr lang="en-US"/>
               <a:t>Second level</a:t>
             </a:r>
           </a:p>
           <a:p>
             <a:pPr lvl="2"/>
             <a:r>
-              <a:rPr lang="en-US" smtClean="0"/>
+              <a:rPr lang="en-US"/>
               <a:t>Third level</a:t>
             </a:r>
           </a:p>
           <a:p>
             <a:pPr lvl="3"/>
             <a:r>
-              <a:rPr lang="en-US" smtClean="0"/>
+              <a:rPr lang="en-US"/>
               <a:t>Fourth level</a:t>
             </a:r>
           </a:p>
           <a:p>
             <a:pPr lvl="4"/>
             <a:r>
-              <a:rPr lang="en-US" smtClean="0"/>
+              <a:rPr lang="en-US"/>
               <a:t>Fifth level</a:t>
             </a:r>
-            <a:endParaRPr lang="en-US"/>
           </a:p>
         </p:txBody>
       </p:sp>
@@ -682,7 +709,7 @@
             <a:fld id="{1D8BD707-D9CF-40AE-B4C6-C98DA3205C09}" type="datetimeFigureOut">
               <a:rPr lang="en-US" smtClean="0"/>
               <a:pPr/>
-              <a:t>5/23/2025</a:t>
+              <a:t>5/26/2025</a:t>
             </a:fld>
             <a:endParaRPr lang="en-US"/>
           </a:p>
@@ -772,10 +799,9 @@
           <a:lstStyle/>
           <a:p>
             <a:r>
-              <a:rPr lang="en-US" smtClean="0"/>
+              <a:rPr lang="en-US"/>
               <a:t>Click to edit Master title style</a:t>
             </a:r>
-            <a:endParaRPr lang="en-US"/>
           </a:p>
         </p:txBody>
       </p:sp>
@@ -796,38 +822,37 @@
           <a:p>
             <a:pPr lvl="0"/>
             <a:r>
-              <a:rPr lang="en-US" smtClean="0"/>
+              <a:rPr lang="en-US"/>
               <a:t>Click to edit Master text styles</a:t>
             </a:r>
           </a:p>
           <a:p>
             <a:pPr lvl="1"/>
             <a:r>
-              <a:rPr lang="en-US" smtClean="0"/>
+              <a:rPr lang="en-US"/>
               <a:t>Second level</a:t>
             </a:r>
           </a:p>
           <a:p>
             <a:pPr lvl="2"/>
             <a:r>
-              <a:rPr lang="en-US" smtClean="0"/>
+              <a:rPr lang="en-US"/>
               <a:t>Third level</a:t>
             </a:r>
           </a:p>
           <a:p>
             <a:pPr lvl="3"/>
             <a:r>
-              <a:rPr lang="en-US" smtClean="0"/>
+              <a:rPr lang="en-US"/>
               <a:t>Fourth level</a:t>
             </a:r>
           </a:p>
           <a:p>
             <a:pPr lvl="4"/>
             <a:r>
-              <a:rPr lang="en-US" smtClean="0"/>
+              <a:rPr lang="en-US"/>
               <a:t>Fifth level</a:t>
             </a:r>
-            <a:endParaRPr lang="en-US"/>
           </a:p>
         </p:txBody>
       </p:sp>
@@ -849,7 +874,7 @@
             <a:fld id="{1D8BD707-D9CF-40AE-B4C6-C98DA3205C09}" type="datetimeFigureOut">
               <a:rPr lang="en-US" smtClean="0"/>
               <a:pPr/>
-              <a:t>5/23/2025</a:t>
+              <a:t>5/26/2025</a:t>
             </a:fld>
             <a:endParaRPr lang="en-US"/>
           </a:p>
@@ -948,10 +973,9 @@
           </a:lstStyle>
           <a:p>
             <a:r>
-              <a:rPr lang="en-US" smtClean="0"/>
+              <a:rPr lang="en-US"/>
               <a:t>Click to edit Master title style</a:t>
             </a:r>
-            <a:endParaRPr lang="en-US"/>
           </a:p>
         </p:txBody>
       </p:sp>
@@ -1068,7 +1092,7 @@
           <a:p>
             <a:pPr lvl="0"/>
             <a:r>
-              <a:rPr lang="en-US" smtClean="0"/>
+              <a:rPr lang="en-US"/>
               <a:t>Click to edit Master text styles</a:t>
             </a:r>
           </a:p>
@@ -1092,7 +1116,7 @@
             <a:fld id="{1D8BD707-D9CF-40AE-B4C6-C98DA3205C09}" type="datetimeFigureOut">
               <a:rPr lang="en-US" smtClean="0"/>
               <a:pPr/>
-              <a:t>5/23/2025</a:t>
+              <a:t>5/26/2025</a:t>
             </a:fld>
             <a:endParaRPr lang="en-US"/>
           </a:p>
@@ -1182,10 +1206,9 @@
           <a:lstStyle/>
           <a:p>
             <a:r>
-              <a:rPr lang="en-US" smtClean="0"/>
+              <a:rPr lang="en-US"/>
               <a:t>Click to edit Master title style</a:t>
             </a:r>
-            <a:endParaRPr lang="en-US"/>
           </a:p>
         </p:txBody>
       </p:sp>
@@ -1239,38 +1262,37 @@
           <a:p>
             <a:pPr lvl="0"/>
             <a:r>
-              <a:rPr lang="en-US" smtClean="0"/>
+              <a:rPr lang="en-US"/>
               <a:t>Click to edit Master text styles</a:t>
             </a:r>
           </a:p>
           <a:p>
             <a:pPr lvl="1"/>
             <a:r>
-              <a:rPr lang="en-US" smtClean="0"/>
+              <a:rPr lang="en-US"/>
               <a:t>Second level</a:t>
             </a:r>
           </a:p>
           <a:p>
             <a:pPr lvl="2"/>
             <a:r>
-              <a:rPr lang="en-US" smtClean="0"/>
+              <a:rPr lang="en-US"/>
               <a:t>Third level</a:t>
             </a:r>
           </a:p>
           <a:p>
             <a:pPr lvl="3"/>
             <a:r>
-              <a:rPr lang="en-US" smtClean="0"/>
+              <a:rPr lang="en-US"/>
               <a:t>Fourth level</a:t>
             </a:r>
           </a:p>
           <a:p>
             <a:pPr lvl="4"/>
             <a:r>
-              <a:rPr lang="en-US" smtClean="0"/>
+              <a:rPr lang="en-US"/>
               <a:t>Fifth level</a:t>
             </a:r>
-            <a:endParaRPr lang="en-US"/>
           </a:p>
         </p:txBody>
       </p:sp>
@@ -1324,38 +1346,37 @@
           <a:p>
             <a:pPr lvl="0"/>
             <a:r>
-              <a:rPr lang="en-US" smtClean="0"/>
+              <a:rPr lang="en-US"/>
               <a:t>Click to edit Master text styles</a:t>
             </a:r>
           </a:p>
           <a:p>
             <a:pPr lvl="1"/>
             <a:r>
-              <a:rPr lang="en-US" smtClean="0"/>
+              <a:rPr lang="en-US"/>
               <a:t>Second level</a:t>
             </a:r>
           </a:p>
           <a:p>
             <a:pPr lvl="2"/>
             <a:r>
-              <a:rPr lang="en-US" smtClean="0"/>
+              <a:rPr lang="en-US"/>
               <a:t>Third level</a:t>
             </a:r>
           </a:p>
           <a:p>
             <a:pPr lvl="3"/>
             <a:r>
-              <a:rPr lang="en-US" smtClean="0"/>
+              <a:rPr lang="en-US"/>
               <a:t>Fourth level</a:t>
             </a:r>
           </a:p>
           <a:p>
             <a:pPr lvl="4"/>
             <a:r>
-              <a:rPr lang="en-US" smtClean="0"/>
+              <a:rPr lang="en-US"/>
               <a:t>Fifth level</a:t>
             </a:r>
-            <a:endParaRPr lang="en-US"/>
           </a:p>
         </p:txBody>
       </p:sp>
@@ -1377,7 +1398,7 @@
             <a:fld id="{1D8BD707-D9CF-40AE-B4C6-C98DA3205C09}" type="datetimeFigureOut">
               <a:rPr lang="en-US" smtClean="0"/>
               <a:pPr/>
-              <a:t>5/23/2025</a:t>
+              <a:t>5/26/2025</a:t>
             </a:fld>
             <a:endParaRPr lang="en-US"/>
           </a:p>
@@ -1471,10 +1492,9 @@
           </a:lstStyle>
           <a:p>
             <a:r>
-              <a:rPr lang="en-US" smtClean="0"/>
+              <a:rPr lang="en-US"/>
               <a:t>Click to edit Master title style</a:t>
             </a:r>
-            <a:endParaRPr lang="en-US"/>
           </a:p>
         </p:txBody>
       </p:sp>
@@ -1537,7 +1557,7 @@
           <a:p>
             <a:pPr lvl="0"/>
             <a:r>
-              <a:rPr lang="en-US" smtClean="0"/>
+              <a:rPr lang="en-US"/>
               <a:t>Click to edit Master text styles</a:t>
             </a:r>
           </a:p>
@@ -1593,38 +1613,37 @@
           <a:p>
             <a:pPr lvl="0"/>
             <a:r>
-              <a:rPr lang="en-US" smtClean="0"/>
+              <a:rPr lang="en-US"/>
               <a:t>Click to edit Master text styles</a:t>
             </a:r>
           </a:p>
           <a:p>
             <a:pPr lvl="1"/>
             <a:r>
-              <a:rPr lang="en-US" smtClean="0"/>
+              <a:rPr lang="en-US"/>
               <a:t>Second level</a:t>
             </a:r>
           </a:p>
           <a:p>
             <a:pPr lvl="2"/>
             <a:r>
-              <a:rPr lang="en-US" smtClean="0"/>
+              <a:rPr lang="en-US"/>
               <a:t>Third level</a:t>
             </a:r>
           </a:p>
           <a:p>
             <a:pPr lvl="3"/>
             <a:r>
-              <a:rPr lang="en-US" smtClean="0"/>
+              <a:rPr lang="en-US"/>
               <a:t>Fourth level</a:t>
             </a:r>
           </a:p>
           <a:p>
             <a:pPr lvl="4"/>
             <a:r>
-              <a:rPr lang="en-US" smtClean="0"/>
+              <a:rPr lang="en-US"/>
               <a:t>Fifth level</a:t>
             </a:r>
-            <a:endParaRPr lang="en-US"/>
           </a:p>
         </p:txBody>
       </p:sp>
@@ -1687,7 +1706,7 @@
           <a:p>
             <a:pPr lvl="0"/>
             <a:r>
-              <a:rPr lang="en-US" smtClean="0"/>
+              <a:rPr lang="en-US"/>
               <a:t>Click to edit Master text styles</a:t>
             </a:r>
           </a:p>
@@ -1743,38 +1762,37 @@
           <a:p>
             <a:pPr lvl="0"/>
             <a:r>
-              <a:rPr lang="en-US" smtClean="0"/>
+              <a:rPr lang="en-US"/>
               <a:t>Click to edit Master text styles</a:t>
             </a:r>
           </a:p>
           <a:p>
             <a:pPr lvl="1"/>
             <a:r>
-              <a:rPr lang="en-US" smtClean="0"/>
+              <a:rPr lang="en-US"/>
               <a:t>Second level</a:t>
             </a:r>
           </a:p>
           <a:p>
             <a:pPr lvl="2"/>
             <a:r>
-              <a:rPr lang="en-US" smtClean="0"/>
+              <a:rPr lang="en-US"/>
               <a:t>Third level</a:t>
             </a:r>
           </a:p>
           <a:p>
             <a:pPr lvl="3"/>
             <a:r>
-              <a:rPr lang="en-US" smtClean="0"/>
+              <a:rPr lang="en-US"/>
               <a:t>Fourth level</a:t>
             </a:r>
           </a:p>
           <a:p>
             <a:pPr lvl="4"/>
             <a:r>
-              <a:rPr lang="en-US" smtClean="0"/>
+              <a:rPr lang="en-US"/>
               <a:t>Fifth level</a:t>
             </a:r>
-            <a:endParaRPr lang="en-US"/>
           </a:p>
         </p:txBody>
       </p:sp>
@@ -1796,7 +1814,7 @@
             <a:fld id="{1D8BD707-D9CF-40AE-B4C6-C98DA3205C09}" type="datetimeFigureOut">
               <a:rPr lang="en-US" smtClean="0"/>
               <a:pPr/>
-              <a:t>5/23/2025</a:t>
+              <a:t>5/26/2025</a:t>
             </a:fld>
             <a:endParaRPr lang="en-US"/>
           </a:p>
@@ -1886,10 +1904,9 @@
           <a:lstStyle/>
           <a:p>
             <a:r>
-              <a:rPr lang="en-US" smtClean="0"/>
+              <a:rPr lang="en-US"/>
               <a:t>Click to edit Master title style</a:t>
             </a:r>
-            <a:endParaRPr lang="en-US"/>
           </a:p>
         </p:txBody>
       </p:sp>
@@ -1911,7 +1928,7 @@
             <a:fld id="{1D8BD707-D9CF-40AE-B4C6-C98DA3205C09}" type="datetimeFigureOut">
               <a:rPr lang="en-US" smtClean="0"/>
               <a:pPr/>
-              <a:t>5/23/2025</a:t>
+              <a:t>5/26/2025</a:t>
             </a:fld>
             <a:endParaRPr lang="en-US"/>
           </a:p>
@@ -2003,7 +2020,7 @@
             <a:fld id="{1D8BD707-D9CF-40AE-B4C6-C98DA3205C09}" type="datetimeFigureOut">
               <a:rPr lang="en-US" smtClean="0"/>
               <a:pPr/>
-              <a:t>5/23/2025</a:t>
+              <a:t>5/26/2025</a:t>
             </a:fld>
             <a:endParaRPr lang="en-US"/>
           </a:p>
@@ -2102,10 +2119,9 @@
           </a:lstStyle>
           <a:p>
             <a:r>
-              <a:rPr lang="en-US" smtClean="0"/>
+              <a:rPr lang="en-US"/>
               <a:t>Click to edit Master title style</a:t>
             </a:r>
-            <a:endParaRPr lang="en-US"/>
           </a:p>
         </p:txBody>
       </p:sp>
@@ -2159,38 +2175,37 @@
           <a:p>
             <a:pPr lvl="0"/>
             <a:r>
-              <a:rPr lang="en-US" smtClean="0"/>
+              <a:rPr lang="en-US"/>
               <a:t>Click to edit Master text styles</a:t>
             </a:r>
           </a:p>
           <a:p>
             <a:pPr lvl="1"/>
             <a:r>
-              <a:rPr lang="en-US" smtClean="0"/>
+              <a:rPr lang="en-US"/>
               <a:t>Second level</a:t>
             </a:r>
           </a:p>
           <a:p>
             <a:pPr lvl="2"/>
             <a:r>
-              <a:rPr lang="en-US" smtClean="0"/>
+              <a:rPr lang="en-US"/>
               <a:t>Third level</a:t>
             </a:r>
           </a:p>
           <a:p>
             <a:pPr lvl="3"/>
             <a:r>
-              <a:rPr lang="en-US" smtClean="0"/>
+              <a:rPr lang="en-US"/>
               <a:t>Fourth level</a:t>
             </a:r>
           </a:p>
           <a:p>
             <a:pPr lvl="4"/>
             <a:r>
-              <a:rPr lang="en-US" smtClean="0"/>
+              <a:rPr lang="en-US"/>
               <a:t>Fifth level</a:t>
             </a:r>
-            <a:endParaRPr lang="en-US"/>
           </a:p>
         </p:txBody>
       </p:sp>
@@ -2253,7 +2268,7 @@
           <a:p>
             <a:pPr lvl="0"/>
             <a:r>
-              <a:rPr lang="en-US" smtClean="0"/>
+              <a:rPr lang="en-US"/>
               <a:t>Click to edit Master text styles</a:t>
             </a:r>
           </a:p>
@@ -2277,7 +2292,7 @@
             <a:fld id="{1D8BD707-D9CF-40AE-B4C6-C98DA3205C09}" type="datetimeFigureOut">
               <a:rPr lang="en-US" smtClean="0"/>
               <a:pPr/>
-              <a:t>5/23/2025</a:t>
+              <a:t>5/26/2025</a:t>
             </a:fld>
             <a:endParaRPr lang="en-US"/>
           </a:p>
@@ -2376,10 +2391,9 @@
           </a:lstStyle>
           <a:p>
             <a:r>
-              <a:rPr lang="en-US" smtClean="0"/>
+              <a:rPr lang="en-US"/>
               <a:t>Click to edit Master title style</a:t>
             </a:r>
-            <a:endParaRPr lang="en-US"/>
           </a:p>
         </p:txBody>
       </p:sp>
@@ -2503,7 +2517,7 @@
           <a:p>
             <a:pPr lvl="0"/>
             <a:r>
-              <a:rPr lang="en-US" smtClean="0"/>
+              <a:rPr lang="en-US"/>
               <a:t>Click to edit Master text styles</a:t>
             </a:r>
           </a:p>
@@ -2527,7 +2541,7 @@
             <a:fld id="{1D8BD707-D9CF-40AE-B4C6-C98DA3205C09}" type="datetimeFigureOut">
               <a:rPr lang="en-US" smtClean="0"/>
               <a:pPr/>
-              <a:t>5/23/2025</a:t>
+              <a:t>5/26/2025</a:t>
             </a:fld>
             <a:endParaRPr lang="en-US"/>
           </a:p>
@@ -2632,10 +2646,9 @@
           <a:lstStyle/>
           <a:p>
             <a:r>
-              <a:rPr lang="en-US" smtClean="0"/>
+              <a:rPr lang="en-US"/>
               <a:t>Click to edit Master title style</a:t>
             </a:r>
-            <a:endParaRPr lang="en-US"/>
           </a:p>
         </p:txBody>
       </p:sp>
@@ -2666,38 +2679,37 @@
           <a:p>
             <a:pPr lvl="0"/>
             <a:r>
-              <a:rPr lang="en-US" smtClean="0"/>
+              <a:rPr lang="en-US"/>
               <a:t>Click to edit Master text styles</a:t>
             </a:r>
           </a:p>
           <a:p>
             <a:pPr lvl="1"/>
             <a:r>
-              <a:rPr lang="en-US" smtClean="0"/>
+              <a:rPr lang="en-US"/>
               <a:t>Second level</a:t>
             </a:r>
           </a:p>
           <a:p>
             <a:pPr lvl="2"/>
             <a:r>
-              <a:rPr lang="en-US" smtClean="0"/>
+              <a:rPr lang="en-US"/>
               <a:t>Third level</a:t>
             </a:r>
           </a:p>
           <a:p>
             <a:pPr lvl="3"/>
             <a:r>
-              <a:rPr lang="en-US" smtClean="0"/>
+              <a:rPr lang="en-US"/>
               <a:t>Fourth level</a:t>
             </a:r>
           </a:p>
           <a:p>
             <a:pPr lvl="4"/>
             <a:r>
-              <a:rPr lang="en-US" smtClean="0"/>
+              <a:rPr lang="en-US"/>
               <a:t>Fifth level</a:t>
             </a:r>
-            <a:endParaRPr lang="en-US"/>
           </a:p>
         </p:txBody>
       </p:sp>
@@ -2737,7 +2749,7 @@
             <a:fld id="{1D8BD707-D9CF-40AE-B4C6-C98DA3205C09}" type="datetimeFigureOut">
               <a:rPr lang="en-US" smtClean="0"/>
               <a:pPr/>
-              <a:t>5/23/2025</a:t>
+              <a:t>5/26/2025</a:t>
             </a:fld>
             <a:endParaRPr lang="en-US"/>
           </a:p>
@@ -3176,6 +3188,13 @@
               <a:miter/>
             </a:ln>
           </p:spPr>
+          <p:txBody>
+            <a:bodyPr/>
+            <a:lstStyle/>
+            <a:p>
+              <a:endParaRPr lang="zh-TW" altLang="en-US"/>
+            </a:p>
+          </p:txBody>
         </p:sp>
         <p:sp>
           <p:nvSpPr>
@@ -3269,6 +3288,13 @@
               <a:miter/>
             </a:ln>
           </p:spPr>
+          <p:txBody>
+            <a:bodyPr/>
+            <a:lstStyle/>
+            <a:p>
+              <a:endParaRPr lang="zh-TW" altLang="en-US"/>
+            </a:p>
+          </p:txBody>
         </p:sp>
         <p:sp>
           <p:nvSpPr>
@@ -3344,7 +3370,7 @@
             <a:blip r:embed="rId2">
               <a:extLst>
                 <a:ext uri="{96DAC541-7B7A-43D3-8B79-37D633B846F1}">
-                  <asvg:svgBlip xmlns:asvg="http://schemas.microsoft.com/office/drawing/2016/SVG/main" xmlns="" r:embed="rId3"/>
+                  <asvg:svgBlip xmlns:asvg="http://schemas.microsoft.com/office/drawing/2016/SVG/main" r:embed="rId3"/>
                 </a:ext>
               </a:extLst>
             </a:blip>
@@ -3353,6 +3379,13 @@
             </a:stretch>
           </a:blipFill>
         </p:spPr>
+        <p:txBody>
+          <a:bodyPr/>
+          <a:lstStyle/>
+          <a:p>
+            <a:endParaRPr lang="zh-TW" altLang="en-US"/>
+          </a:p>
+        </p:txBody>
       </p:sp>
       <p:sp>
         <p:nvSpPr>
@@ -3396,7 +3429,7 @@
             <a:blip r:embed="rId4">
               <a:extLst>
                 <a:ext uri="{96DAC541-7B7A-43D3-8B79-37D633B846F1}">
-                  <asvg:svgBlip xmlns:asvg="http://schemas.microsoft.com/office/drawing/2016/SVG/main" xmlns="" r:embed="rId5"/>
+                  <asvg:svgBlip xmlns:asvg="http://schemas.microsoft.com/office/drawing/2016/SVG/main" r:embed="rId5"/>
                 </a:ext>
               </a:extLst>
             </a:blip>
@@ -3405,6 +3438,13 @@
             </a:stretch>
           </a:blipFill>
         </p:spPr>
+        <p:txBody>
+          <a:bodyPr/>
+          <a:lstStyle/>
+          <a:p>
+            <a:endParaRPr lang="zh-TW" altLang="en-US"/>
+          </a:p>
+        </p:txBody>
       </p:sp>
       <p:sp>
         <p:nvSpPr>
@@ -3448,7 +3488,7 @@
             <a:blip r:embed="rId6">
               <a:extLst>
                 <a:ext uri="{96DAC541-7B7A-43D3-8B79-37D633B846F1}">
-                  <asvg:svgBlip xmlns:asvg="http://schemas.microsoft.com/office/drawing/2016/SVG/main" xmlns="" r:embed="rId7"/>
+                  <asvg:svgBlip xmlns:asvg="http://schemas.microsoft.com/office/drawing/2016/SVG/main" r:embed="rId7"/>
                 </a:ext>
               </a:extLst>
             </a:blip>
@@ -3457,6 +3497,13 @@
             </a:stretch>
           </a:blipFill>
         </p:spPr>
+        <p:txBody>
+          <a:bodyPr/>
+          <a:lstStyle/>
+          <a:p>
+            <a:endParaRPr lang="zh-TW" altLang="en-US"/>
+          </a:p>
+        </p:txBody>
       </p:sp>
       <p:grpSp>
         <p:nvGrpSpPr>
@@ -3518,6 +3565,13 @@
               <a:miter/>
             </a:ln>
           </p:spPr>
+          <p:txBody>
+            <a:bodyPr/>
+            <a:lstStyle/>
+            <a:p>
+              <a:endParaRPr lang="zh-TW" altLang="en-US"/>
+            </a:p>
+          </p:txBody>
         </p:sp>
         <p:sp>
           <p:nvSpPr>
@@ -3611,6 +3665,13 @@
               <a:miter/>
             </a:ln>
           </p:spPr>
+          <p:txBody>
+            <a:bodyPr/>
+            <a:lstStyle/>
+            <a:p>
+              <a:endParaRPr lang="zh-TW" altLang="en-US"/>
+            </a:p>
+          </p:txBody>
         </p:sp>
         <p:sp>
           <p:nvSpPr>
@@ -3704,6 +3765,13 @@
               <a:miter/>
             </a:ln>
           </p:spPr>
+          <p:txBody>
+            <a:bodyPr/>
+            <a:lstStyle/>
+            <a:p>
+              <a:endParaRPr lang="zh-TW" altLang="en-US"/>
+            </a:p>
+          </p:txBody>
         </p:sp>
         <p:sp>
           <p:nvSpPr>
@@ -3797,6 +3865,13 @@
               <a:miter/>
             </a:ln>
           </p:spPr>
+          <p:txBody>
+            <a:bodyPr/>
+            <a:lstStyle/>
+            <a:p>
+              <a:endParaRPr lang="zh-TW" altLang="en-US"/>
+            </a:p>
+          </p:txBody>
         </p:sp>
         <p:sp>
           <p:nvSpPr>
@@ -3872,7 +3947,7 @@
             <a:blip r:embed="rId8">
               <a:extLst>
                 <a:ext uri="{96DAC541-7B7A-43D3-8B79-37D633B846F1}">
-                  <asvg:svgBlip xmlns:asvg="http://schemas.microsoft.com/office/drawing/2016/SVG/main" xmlns="" r:embed="rId9"/>
+                  <asvg:svgBlip xmlns:asvg="http://schemas.microsoft.com/office/drawing/2016/SVG/main" r:embed="rId9"/>
                 </a:ext>
               </a:extLst>
             </a:blip>
@@ -3881,6 +3956,13 @@
             </a:stretch>
           </a:blipFill>
         </p:spPr>
+        <p:txBody>
+          <a:bodyPr/>
+          <a:lstStyle/>
+          <a:p>
+            <a:endParaRPr lang="zh-TW" altLang="en-US"/>
+          </a:p>
+        </p:txBody>
       </p:sp>
       <p:sp>
         <p:nvSpPr>
@@ -3924,7 +4006,7 @@
             <a:blip r:embed="rId8">
               <a:extLst>
                 <a:ext uri="{96DAC541-7B7A-43D3-8B79-37D633B846F1}">
-                  <asvg:svgBlip xmlns:asvg="http://schemas.microsoft.com/office/drawing/2016/SVG/main" xmlns="" r:embed="rId9"/>
+                  <asvg:svgBlip xmlns:asvg="http://schemas.microsoft.com/office/drawing/2016/SVG/main" r:embed="rId9"/>
                 </a:ext>
               </a:extLst>
             </a:blip>
@@ -3933,6 +4015,13 @@
             </a:stretch>
           </a:blipFill>
         </p:spPr>
+        <p:txBody>
+          <a:bodyPr/>
+          <a:lstStyle/>
+          <a:p>
+            <a:endParaRPr lang="zh-TW" altLang="en-US"/>
+          </a:p>
+        </p:txBody>
       </p:sp>
       <p:sp>
         <p:nvSpPr>
@@ -4017,7 +4106,7 @@
             <a:blip r:embed="rId10">
               <a:extLst>
                 <a:ext uri="{96DAC541-7B7A-43D3-8B79-37D633B846F1}">
-                  <asvg:svgBlip xmlns:asvg="http://schemas.microsoft.com/office/drawing/2016/SVG/main" xmlns="" r:embed="rId11"/>
+                  <asvg:svgBlip xmlns:asvg="http://schemas.microsoft.com/office/drawing/2016/SVG/main" r:embed="rId11"/>
                 </a:ext>
               </a:extLst>
             </a:blip>
@@ -4026,6 +4115,13 @@
             </a:stretch>
           </a:blipFill>
         </p:spPr>
+        <p:txBody>
+          <a:bodyPr/>
+          <a:lstStyle/>
+          <a:p>
+            <a:endParaRPr lang="zh-TW" altLang="en-US"/>
+          </a:p>
+        </p:txBody>
       </p:sp>
       <p:sp>
         <p:nvSpPr>
@@ -4069,7 +4165,7 @@
             <a:blip r:embed="rId12">
               <a:extLst>
                 <a:ext uri="{96DAC541-7B7A-43D3-8B79-37D633B846F1}">
-                  <asvg:svgBlip xmlns:asvg="http://schemas.microsoft.com/office/drawing/2016/SVG/main" xmlns="" r:embed="rId13"/>
+                  <asvg:svgBlip xmlns:asvg="http://schemas.microsoft.com/office/drawing/2016/SVG/main" r:embed="rId13"/>
                 </a:ext>
               </a:extLst>
             </a:blip>
@@ -4078,6 +4174,13 @@
             </a:stretch>
           </a:blipFill>
         </p:spPr>
+        <p:txBody>
+          <a:bodyPr/>
+          <a:lstStyle/>
+          <a:p>
+            <a:endParaRPr lang="zh-TW" altLang="en-US"/>
+          </a:p>
+        </p:txBody>
       </p:sp>
       <p:sp>
         <p:nvSpPr>
@@ -4273,6 +4376,13 @@
               <a:miter/>
             </a:ln>
           </p:spPr>
+          <p:txBody>
+            <a:bodyPr/>
+            <a:lstStyle/>
+            <a:p>
+              <a:endParaRPr lang="zh-TW" altLang="en-US"/>
+            </a:p>
+          </p:txBody>
         </p:sp>
         <p:sp>
           <p:nvSpPr>
@@ -4366,6 +4476,13 @@
               <a:miter/>
             </a:ln>
           </p:spPr>
+          <p:txBody>
+            <a:bodyPr/>
+            <a:lstStyle/>
+            <a:p>
+              <a:endParaRPr lang="zh-TW" altLang="en-US"/>
+            </a:p>
+          </p:txBody>
         </p:sp>
         <p:sp>
           <p:nvSpPr>
@@ -4441,7 +4558,7 @@
             <a:blip r:embed="rId2">
               <a:extLst>
                 <a:ext uri="{96DAC541-7B7A-43D3-8B79-37D633B846F1}">
-                  <asvg:svgBlip xmlns:asvg="http://schemas.microsoft.com/office/drawing/2016/SVG/main" xmlns="" r:embed="rId3"/>
+                  <asvg:svgBlip xmlns:asvg="http://schemas.microsoft.com/office/drawing/2016/SVG/main" r:embed="rId3"/>
                 </a:ext>
               </a:extLst>
             </a:blip>
@@ -4450,6 +4567,13 @@
             </a:stretch>
           </a:blipFill>
         </p:spPr>
+        <p:txBody>
+          <a:bodyPr/>
+          <a:lstStyle/>
+          <a:p>
+            <a:endParaRPr lang="zh-TW" altLang="en-US"/>
+          </a:p>
+        </p:txBody>
       </p:sp>
       <p:sp>
         <p:nvSpPr>
@@ -4493,7 +4617,7 @@
             <a:blip r:embed="rId4">
               <a:extLst>
                 <a:ext uri="{96DAC541-7B7A-43D3-8B79-37D633B846F1}">
-                  <asvg:svgBlip xmlns:asvg="http://schemas.microsoft.com/office/drawing/2016/SVG/main" xmlns="" r:embed="rId5"/>
+                  <asvg:svgBlip xmlns:asvg="http://schemas.microsoft.com/office/drawing/2016/SVG/main" r:embed="rId5"/>
                 </a:ext>
               </a:extLst>
             </a:blip>
@@ -4502,6 +4626,13 @@
             </a:stretch>
           </a:blipFill>
         </p:spPr>
+        <p:txBody>
+          <a:bodyPr/>
+          <a:lstStyle/>
+          <a:p>
+            <a:endParaRPr lang="zh-TW" altLang="en-US"/>
+          </a:p>
+        </p:txBody>
       </p:sp>
       <p:sp>
         <p:nvSpPr>
@@ -4545,7 +4676,7 @@
             <a:blip r:embed="rId6">
               <a:extLst>
                 <a:ext uri="{96DAC541-7B7A-43D3-8B79-37D633B846F1}">
-                  <asvg:svgBlip xmlns:asvg="http://schemas.microsoft.com/office/drawing/2016/SVG/main" xmlns="" r:embed="rId7"/>
+                  <asvg:svgBlip xmlns:asvg="http://schemas.microsoft.com/office/drawing/2016/SVG/main" r:embed="rId7"/>
                 </a:ext>
               </a:extLst>
             </a:blip>
@@ -4554,6 +4685,13 @@
             </a:stretch>
           </a:blipFill>
         </p:spPr>
+        <p:txBody>
+          <a:bodyPr/>
+          <a:lstStyle/>
+          <a:p>
+            <a:endParaRPr lang="zh-TW" altLang="en-US"/>
+          </a:p>
+        </p:txBody>
       </p:sp>
       <p:grpSp>
         <p:nvGrpSpPr>
@@ -4615,6 +4753,13 @@
               <a:miter/>
             </a:ln>
           </p:spPr>
+          <p:txBody>
+            <a:bodyPr/>
+            <a:lstStyle/>
+            <a:p>
+              <a:endParaRPr lang="zh-TW" altLang="en-US"/>
+            </a:p>
+          </p:txBody>
         </p:sp>
         <p:sp>
           <p:nvSpPr>
@@ -4708,6 +4853,13 @@
               <a:miter/>
             </a:ln>
           </p:spPr>
+          <p:txBody>
+            <a:bodyPr/>
+            <a:lstStyle/>
+            <a:p>
+              <a:endParaRPr lang="zh-TW" altLang="en-US"/>
+            </a:p>
+          </p:txBody>
         </p:sp>
         <p:sp>
           <p:nvSpPr>
@@ -4801,6 +4953,13 @@
               <a:miter/>
             </a:ln>
           </p:spPr>
+          <p:txBody>
+            <a:bodyPr/>
+            <a:lstStyle/>
+            <a:p>
+              <a:endParaRPr lang="zh-TW" altLang="en-US"/>
+            </a:p>
+          </p:txBody>
         </p:sp>
         <p:sp>
           <p:nvSpPr>
@@ -4876,7 +5035,7 @@
             <a:blip r:embed="rId8">
               <a:extLst>
                 <a:ext uri="{96DAC541-7B7A-43D3-8B79-37D633B846F1}">
-                  <asvg:svgBlip xmlns:asvg="http://schemas.microsoft.com/office/drawing/2016/SVG/main" xmlns="" r:embed="rId9"/>
+                  <asvg:svgBlip xmlns:asvg="http://schemas.microsoft.com/office/drawing/2016/SVG/main" r:embed="rId9"/>
                 </a:ext>
               </a:extLst>
             </a:blip>
@@ -4885,6 +5044,13 @@
             </a:stretch>
           </a:blipFill>
         </p:spPr>
+        <p:txBody>
+          <a:bodyPr/>
+          <a:lstStyle/>
+          <a:p>
+            <a:endParaRPr lang="zh-TW" altLang="en-US"/>
+          </a:p>
+        </p:txBody>
       </p:sp>
       <p:sp>
         <p:nvSpPr>
@@ -4928,7 +5094,7 @@
             <a:blip r:embed="rId8">
               <a:extLst>
                 <a:ext uri="{96DAC541-7B7A-43D3-8B79-37D633B846F1}">
-                  <asvg:svgBlip xmlns:asvg="http://schemas.microsoft.com/office/drawing/2016/SVG/main" xmlns="" r:embed="rId9"/>
+                  <asvg:svgBlip xmlns:asvg="http://schemas.microsoft.com/office/drawing/2016/SVG/main" r:embed="rId9"/>
                 </a:ext>
               </a:extLst>
             </a:blip>
@@ -4937,6 +5103,13 @@
             </a:stretch>
           </a:blipFill>
         </p:spPr>
+        <p:txBody>
+          <a:bodyPr/>
+          <a:lstStyle/>
+          <a:p>
+            <a:endParaRPr lang="zh-TW" altLang="en-US"/>
+          </a:p>
+        </p:txBody>
       </p:sp>
       <p:sp>
         <p:nvSpPr>
@@ -4980,7 +5153,7 @@
             <a:blip r:embed="rId10">
               <a:extLst>
                 <a:ext uri="{96DAC541-7B7A-43D3-8B79-37D633B846F1}">
-                  <asvg:svgBlip xmlns:asvg="http://schemas.microsoft.com/office/drawing/2016/SVG/main" xmlns="" r:embed="rId11"/>
+                  <asvg:svgBlip xmlns:asvg="http://schemas.microsoft.com/office/drawing/2016/SVG/main" r:embed="rId11"/>
                 </a:ext>
               </a:extLst>
             </a:blip>
@@ -4989,6 +5162,13 @@
             </a:stretch>
           </a:blipFill>
         </p:spPr>
+        <p:txBody>
+          <a:bodyPr/>
+          <a:lstStyle/>
+          <a:p>
+            <a:endParaRPr lang="zh-TW" altLang="en-US"/>
+          </a:p>
+        </p:txBody>
       </p:sp>
       <p:sp>
         <p:nvSpPr>
@@ -5032,7 +5212,7 @@
             <a:blip r:embed="rId12">
               <a:extLst>
                 <a:ext uri="{96DAC541-7B7A-43D3-8B79-37D633B846F1}">
-                  <asvg:svgBlip xmlns:asvg="http://schemas.microsoft.com/office/drawing/2016/SVG/main" xmlns="" r:embed="rId13"/>
+                  <asvg:svgBlip xmlns:asvg="http://schemas.microsoft.com/office/drawing/2016/SVG/main" r:embed="rId13"/>
                 </a:ext>
               </a:extLst>
             </a:blip>
@@ -5041,6 +5221,13 @@
             </a:stretch>
           </a:blipFill>
         </p:spPr>
+        <p:txBody>
+          <a:bodyPr/>
+          <a:lstStyle/>
+          <a:p>
+            <a:endParaRPr lang="zh-TW" altLang="en-US"/>
+          </a:p>
+        </p:txBody>
       </p:sp>
       <p:sp>
         <p:nvSpPr>
@@ -5084,7 +5271,7 @@
             <a:blip r:embed="rId14">
               <a:extLst>
                 <a:ext uri="{96DAC541-7B7A-43D3-8B79-37D633B846F1}">
-                  <asvg:svgBlip xmlns:asvg="http://schemas.microsoft.com/office/drawing/2016/SVG/main" xmlns="" r:embed="rId15"/>
+                  <asvg:svgBlip xmlns:asvg="http://schemas.microsoft.com/office/drawing/2016/SVG/main" r:embed="rId15"/>
                 </a:ext>
               </a:extLst>
             </a:blip>
@@ -5093,6 +5280,13 @@
             </a:stretch>
           </a:blipFill>
         </p:spPr>
+        <p:txBody>
+          <a:bodyPr/>
+          <a:lstStyle/>
+          <a:p>
+            <a:endParaRPr lang="zh-TW" altLang="en-US"/>
+          </a:p>
+        </p:txBody>
       </p:sp>
       <p:grpSp>
         <p:nvGrpSpPr>
@@ -5154,6 +5348,13 @@
               <a:miter/>
             </a:ln>
           </p:spPr>
+          <p:txBody>
+            <a:bodyPr/>
+            <a:lstStyle/>
+            <a:p>
+              <a:endParaRPr lang="zh-TW" altLang="en-US"/>
+            </a:p>
+          </p:txBody>
         </p:sp>
         <p:sp>
           <p:nvSpPr>
@@ -5519,6 +5720,13 @@
               <a:miter/>
             </a:ln>
           </p:spPr>
+          <p:txBody>
+            <a:bodyPr/>
+            <a:lstStyle/>
+            <a:p>
+              <a:endParaRPr lang="zh-TW" altLang="en-US"/>
+            </a:p>
+          </p:txBody>
         </p:sp>
         <p:sp>
           <p:nvSpPr>
@@ -5612,6 +5820,13 @@
               <a:miter/>
             </a:ln>
           </p:spPr>
+          <p:txBody>
+            <a:bodyPr/>
+            <a:lstStyle/>
+            <a:p>
+              <a:endParaRPr lang="zh-TW" altLang="en-US"/>
+            </a:p>
+          </p:txBody>
         </p:sp>
         <p:sp>
           <p:nvSpPr>
@@ -5687,7 +5902,7 @@
             <a:blip r:embed="rId2">
               <a:extLst>
                 <a:ext uri="{96DAC541-7B7A-43D3-8B79-37D633B846F1}">
-                  <asvg:svgBlip xmlns:asvg="http://schemas.microsoft.com/office/drawing/2016/SVG/main" xmlns="" r:embed="rId3"/>
+                  <asvg:svgBlip xmlns:asvg="http://schemas.microsoft.com/office/drawing/2016/SVG/main" r:embed="rId3"/>
                 </a:ext>
               </a:extLst>
             </a:blip>
@@ -5696,6 +5911,13 @@
             </a:stretch>
           </a:blipFill>
         </p:spPr>
+        <p:txBody>
+          <a:bodyPr/>
+          <a:lstStyle/>
+          <a:p>
+            <a:endParaRPr lang="zh-TW" altLang="en-US"/>
+          </a:p>
+        </p:txBody>
       </p:sp>
       <p:sp>
         <p:nvSpPr>
@@ -5739,7 +5961,7 @@
             <a:blip r:embed="rId4">
               <a:extLst>
                 <a:ext uri="{96DAC541-7B7A-43D3-8B79-37D633B846F1}">
-                  <asvg:svgBlip xmlns:asvg="http://schemas.microsoft.com/office/drawing/2016/SVG/main" xmlns="" r:embed="rId5"/>
+                  <asvg:svgBlip xmlns:asvg="http://schemas.microsoft.com/office/drawing/2016/SVG/main" r:embed="rId5"/>
                 </a:ext>
               </a:extLst>
             </a:blip>
@@ -5748,6 +5970,13 @@
             </a:stretch>
           </a:blipFill>
         </p:spPr>
+        <p:txBody>
+          <a:bodyPr/>
+          <a:lstStyle/>
+          <a:p>
+            <a:endParaRPr lang="zh-TW" altLang="en-US"/>
+          </a:p>
+        </p:txBody>
       </p:sp>
       <p:sp>
         <p:nvSpPr>
@@ -5791,7 +6020,7 @@
             <a:blip r:embed="rId6">
               <a:extLst>
                 <a:ext uri="{96DAC541-7B7A-43D3-8B79-37D633B846F1}">
-                  <asvg:svgBlip xmlns:asvg="http://schemas.microsoft.com/office/drawing/2016/SVG/main" xmlns="" r:embed="rId7"/>
+                  <asvg:svgBlip xmlns:asvg="http://schemas.microsoft.com/office/drawing/2016/SVG/main" r:embed="rId7"/>
                 </a:ext>
               </a:extLst>
             </a:blip>
@@ -5800,6 +6029,13 @@
             </a:stretch>
           </a:blipFill>
         </p:spPr>
+        <p:txBody>
+          <a:bodyPr/>
+          <a:lstStyle/>
+          <a:p>
+            <a:endParaRPr lang="zh-TW" altLang="en-US"/>
+          </a:p>
+        </p:txBody>
       </p:sp>
       <p:grpSp>
         <p:nvGrpSpPr>
@@ -5861,6 +6097,13 @@
               <a:miter/>
             </a:ln>
           </p:spPr>
+          <p:txBody>
+            <a:bodyPr/>
+            <a:lstStyle/>
+            <a:p>
+              <a:endParaRPr lang="zh-TW" altLang="en-US"/>
+            </a:p>
+          </p:txBody>
         </p:sp>
         <p:sp>
           <p:nvSpPr>
@@ -5954,6 +6197,13 @@
               <a:miter/>
             </a:ln>
           </p:spPr>
+          <p:txBody>
+            <a:bodyPr/>
+            <a:lstStyle/>
+            <a:p>
+              <a:endParaRPr lang="zh-TW" altLang="en-US"/>
+            </a:p>
+          </p:txBody>
         </p:sp>
         <p:sp>
           <p:nvSpPr>
@@ -6047,6 +6297,13 @@
               <a:miter/>
             </a:ln>
           </p:spPr>
+          <p:txBody>
+            <a:bodyPr/>
+            <a:lstStyle/>
+            <a:p>
+              <a:endParaRPr lang="zh-TW" altLang="en-US"/>
+            </a:p>
+          </p:txBody>
         </p:sp>
         <p:sp>
           <p:nvSpPr>
@@ -6122,7 +6379,7 @@
             <a:blip r:embed="rId8">
               <a:extLst>
                 <a:ext uri="{96DAC541-7B7A-43D3-8B79-37D633B846F1}">
-                  <asvg:svgBlip xmlns:asvg="http://schemas.microsoft.com/office/drawing/2016/SVG/main" xmlns="" r:embed="rId9"/>
+                  <asvg:svgBlip xmlns:asvg="http://schemas.microsoft.com/office/drawing/2016/SVG/main" r:embed="rId9"/>
                 </a:ext>
               </a:extLst>
             </a:blip>
@@ -6131,6 +6388,13 @@
             </a:stretch>
           </a:blipFill>
         </p:spPr>
+        <p:txBody>
+          <a:bodyPr/>
+          <a:lstStyle/>
+          <a:p>
+            <a:endParaRPr lang="zh-TW" altLang="en-US"/>
+          </a:p>
+        </p:txBody>
       </p:sp>
       <p:sp>
         <p:nvSpPr>
@@ -6174,7 +6438,7 @@
             <a:blip r:embed="rId8">
               <a:extLst>
                 <a:ext uri="{96DAC541-7B7A-43D3-8B79-37D633B846F1}">
-                  <asvg:svgBlip xmlns:asvg="http://schemas.microsoft.com/office/drawing/2016/SVG/main" xmlns="" r:embed="rId9"/>
+                  <asvg:svgBlip xmlns:asvg="http://schemas.microsoft.com/office/drawing/2016/SVG/main" r:embed="rId9"/>
                 </a:ext>
               </a:extLst>
             </a:blip>
@@ -6183,6 +6447,13 @@
             </a:stretch>
           </a:blipFill>
         </p:spPr>
+        <p:txBody>
+          <a:bodyPr/>
+          <a:lstStyle/>
+          <a:p>
+            <a:endParaRPr lang="zh-TW" altLang="en-US"/>
+          </a:p>
+        </p:txBody>
       </p:sp>
       <p:sp>
         <p:nvSpPr>
@@ -6226,7 +6497,7 @@
             <a:blip r:embed="rId10">
               <a:extLst>
                 <a:ext uri="{96DAC541-7B7A-43D3-8B79-37D633B846F1}">
-                  <asvg:svgBlip xmlns:asvg="http://schemas.microsoft.com/office/drawing/2016/SVG/main" xmlns="" r:embed="rId11"/>
+                  <asvg:svgBlip xmlns:asvg="http://schemas.microsoft.com/office/drawing/2016/SVG/main" r:embed="rId11"/>
                 </a:ext>
               </a:extLst>
             </a:blip>
@@ -6235,6 +6506,13 @@
             </a:stretch>
           </a:blipFill>
         </p:spPr>
+        <p:txBody>
+          <a:bodyPr/>
+          <a:lstStyle/>
+          <a:p>
+            <a:endParaRPr lang="zh-TW" altLang="en-US"/>
+          </a:p>
+        </p:txBody>
       </p:sp>
       <p:sp>
         <p:nvSpPr>
@@ -6278,7 +6556,7 @@
             <a:blip r:embed="rId12">
               <a:extLst>
                 <a:ext uri="{96DAC541-7B7A-43D3-8B79-37D633B846F1}">
-                  <asvg:svgBlip xmlns:asvg="http://schemas.microsoft.com/office/drawing/2016/SVG/main" xmlns="" r:embed="rId13"/>
+                  <asvg:svgBlip xmlns:asvg="http://schemas.microsoft.com/office/drawing/2016/SVG/main" r:embed="rId13"/>
                 </a:ext>
               </a:extLst>
             </a:blip>
@@ -6287,6 +6565,13 @@
             </a:stretch>
           </a:blipFill>
         </p:spPr>
+        <p:txBody>
+          <a:bodyPr/>
+          <a:lstStyle/>
+          <a:p>
+            <a:endParaRPr lang="zh-TW" altLang="en-US"/>
+          </a:p>
+        </p:txBody>
       </p:sp>
       <p:sp>
         <p:nvSpPr>
@@ -6330,7 +6615,7 @@
             <a:blip r:embed="rId14">
               <a:extLst>
                 <a:ext uri="{96DAC541-7B7A-43D3-8B79-37D633B846F1}">
-                  <asvg:svgBlip xmlns:asvg="http://schemas.microsoft.com/office/drawing/2016/SVG/main" xmlns="" r:embed="rId15"/>
+                  <asvg:svgBlip xmlns:asvg="http://schemas.microsoft.com/office/drawing/2016/SVG/main" r:embed="rId15"/>
                 </a:ext>
               </a:extLst>
             </a:blip>
@@ -6339,6 +6624,13 @@
             </a:stretch>
           </a:blipFill>
         </p:spPr>
+        <p:txBody>
+          <a:bodyPr/>
+          <a:lstStyle/>
+          <a:p>
+            <a:endParaRPr lang="zh-TW" altLang="en-US"/>
+          </a:p>
+        </p:txBody>
       </p:sp>
       <p:grpSp>
         <p:nvGrpSpPr>
@@ -6400,6 +6692,13 @@
               <a:miter/>
             </a:ln>
           </p:spPr>
+          <p:txBody>
+            <a:bodyPr/>
+            <a:lstStyle/>
+            <a:p>
+              <a:endParaRPr lang="zh-TW" altLang="en-US"/>
+            </a:p>
+          </p:txBody>
         </p:sp>
         <p:sp>
           <p:nvSpPr>
@@ -6931,6 +7230,13 @@
               <a:miter/>
             </a:ln>
           </p:spPr>
+          <p:txBody>
+            <a:bodyPr/>
+            <a:lstStyle/>
+            <a:p>
+              <a:endParaRPr lang="zh-TW" altLang="en-US"/>
+            </a:p>
+          </p:txBody>
         </p:sp>
         <p:sp>
           <p:nvSpPr>
@@ -7024,6 +7330,13 @@
               <a:miter/>
             </a:ln>
           </p:spPr>
+          <p:txBody>
+            <a:bodyPr/>
+            <a:lstStyle/>
+            <a:p>
+              <a:endParaRPr lang="zh-TW" altLang="en-US"/>
+            </a:p>
+          </p:txBody>
         </p:sp>
         <p:sp>
           <p:nvSpPr>
@@ -7099,7 +7412,7 @@
             <a:blip r:embed="rId2">
               <a:extLst>
                 <a:ext uri="{96DAC541-7B7A-43D3-8B79-37D633B846F1}">
-                  <asvg:svgBlip xmlns:asvg="http://schemas.microsoft.com/office/drawing/2016/SVG/main" xmlns="" r:embed="rId3"/>
+                  <asvg:svgBlip xmlns:asvg="http://schemas.microsoft.com/office/drawing/2016/SVG/main" r:embed="rId3"/>
                 </a:ext>
               </a:extLst>
             </a:blip>
@@ -7108,6 +7421,13 @@
             </a:stretch>
           </a:blipFill>
         </p:spPr>
+        <p:txBody>
+          <a:bodyPr/>
+          <a:lstStyle/>
+          <a:p>
+            <a:endParaRPr lang="zh-TW" altLang="en-US"/>
+          </a:p>
+        </p:txBody>
       </p:sp>
       <p:sp>
         <p:nvSpPr>
@@ -7151,7 +7471,7 @@
             <a:blip r:embed="rId4">
               <a:extLst>
                 <a:ext uri="{96DAC541-7B7A-43D3-8B79-37D633B846F1}">
-                  <asvg:svgBlip xmlns:asvg="http://schemas.microsoft.com/office/drawing/2016/SVG/main" xmlns="" r:embed="rId5"/>
+                  <asvg:svgBlip xmlns:asvg="http://schemas.microsoft.com/office/drawing/2016/SVG/main" r:embed="rId5"/>
                 </a:ext>
               </a:extLst>
             </a:blip>
@@ -7160,6 +7480,13 @@
             </a:stretch>
           </a:blipFill>
         </p:spPr>
+        <p:txBody>
+          <a:bodyPr/>
+          <a:lstStyle/>
+          <a:p>
+            <a:endParaRPr lang="zh-TW" altLang="en-US"/>
+          </a:p>
+        </p:txBody>
       </p:sp>
       <p:sp>
         <p:nvSpPr>
@@ -7203,7 +7530,7 @@
             <a:blip r:embed="rId6">
               <a:extLst>
                 <a:ext uri="{96DAC541-7B7A-43D3-8B79-37D633B846F1}">
-                  <asvg:svgBlip xmlns:asvg="http://schemas.microsoft.com/office/drawing/2016/SVG/main" xmlns="" r:embed="rId7"/>
+                  <asvg:svgBlip xmlns:asvg="http://schemas.microsoft.com/office/drawing/2016/SVG/main" r:embed="rId7"/>
                 </a:ext>
               </a:extLst>
             </a:blip>
@@ -7212,6 +7539,13 @@
             </a:stretch>
           </a:blipFill>
         </p:spPr>
+        <p:txBody>
+          <a:bodyPr/>
+          <a:lstStyle/>
+          <a:p>
+            <a:endParaRPr lang="zh-TW" altLang="en-US"/>
+          </a:p>
+        </p:txBody>
       </p:sp>
       <p:grpSp>
         <p:nvGrpSpPr>
@@ -7273,6 +7607,13 @@
               <a:miter/>
             </a:ln>
           </p:spPr>
+          <p:txBody>
+            <a:bodyPr/>
+            <a:lstStyle/>
+            <a:p>
+              <a:endParaRPr lang="zh-TW" altLang="en-US"/>
+            </a:p>
+          </p:txBody>
         </p:sp>
         <p:sp>
           <p:nvSpPr>
@@ -7366,6 +7707,13 @@
               <a:miter/>
             </a:ln>
           </p:spPr>
+          <p:txBody>
+            <a:bodyPr/>
+            <a:lstStyle/>
+            <a:p>
+              <a:endParaRPr lang="zh-TW" altLang="en-US"/>
+            </a:p>
+          </p:txBody>
         </p:sp>
         <p:sp>
           <p:nvSpPr>
@@ -7459,6 +7807,13 @@
               <a:miter/>
             </a:ln>
           </p:spPr>
+          <p:txBody>
+            <a:bodyPr/>
+            <a:lstStyle/>
+            <a:p>
+              <a:endParaRPr lang="zh-TW" altLang="en-US"/>
+            </a:p>
+          </p:txBody>
         </p:sp>
         <p:sp>
           <p:nvSpPr>
@@ -7534,7 +7889,7 @@
             <a:blip r:embed="rId8">
               <a:extLst>
                 <a:ext uri="{96DAC541-7B7A-43D3-8B79-37D633B846F1}">
-                  <asvg:svgBlip xmlns:asvg="http://schemas.microsoft.com/office/drawing/2016/SVG/main" xmlns="" r:embed="rId9"/>
+                  <asvg:svgBlip xmlns:asvg="http://schemas.microsoft.com/office/drawing/2016/SVG/main" r:embed="rId9"/>
                 </a:ext>
               </a:extLst>
             </a:blip>
@@ -7543,6 +7898,13 @@
             </a:stretch>
           </a:blipFill>
         </p:spPr>
+        <p:txBody>
+          <a:bodyPr/>
+          <a:lstStyle/>
+          <a:p>
+            <a:endParaRPr lang="zh-TW" altLang="en-US"/>
+          </a:p>
+        </p:txBody>
       </p:sp>
       <p:sp>
         <p:nvSpPr>
@@ -7586,7 +7948,7 @@
             <a:blip r:embed="rId8">
               <a:extLst>
                 <a:ext uri="{96DAC541-7B7A-43D3-8B79-37D633B846F1}">
-                  <asvg:svgBlip xmlns:asvg="http://schemas.microsoft.com/office/drawing/2016/SVG/main" xmlns="" r:embed="rId9"/>
+                  <asvg:svgBlip xmlns:asvg="http://schemas.microsoft.com/office/drawing/2016/SVG/main" r:embed="rId9"/>
                 </a:ext>
               </a:extLst>
             </a:blip>
@@ -7595,6 +7957,13 @@
             </a:stretch>
           </a:blipFill>
         </p:spPr>
+        <p:txBody>
+          <a:bodyPr/>
+          <a:lstStyle/>
+          <a:p>
+            <a:endParaRPr lang="zh-TW" altLang="en-US"/>
+          </a:p>
+        </p:txBody>
       </p:sp>
       <p:sp>
         <p:nvSpPr>
@@ -7638,7 +8007,7 @@
             <a:blip r:embed="rId10">
               <a:extLst>
                 <a:ext uri="{96DAC541-7B7A-43D3-8B79-37D633B846F1}">
-                  <asvg:svgBlip xmlns:asvg="http://schemas.microsoft.com/office/drawing/2016/SVG/main" xmlns="" r:embed="rId11"/>
+                  <asvg:svgBlip xmlns:asvg="http://schemas.microsoft.com/office/drawing/2016/SVG/main" r:embed="rId11"/>
                 </a:ext>
               </a:extLst>
             </a:blip>
@@ -7647,6 +8016,13 @@
             </a:stretch>
           </a:blipFill>
         </p:spPr>
+        <p:txBody>
+          <a:bodyPr/>
+          <a:lstStyle/>
+          <a:p>
+            <a:endParaRPr lang="zh-TW" altLang="en-US"/>
+          </a:p>
+        </p:txBody>
       </p:sp>
       <p:sp>
         <p:nvSpPr>
@@ -7690,7 +8066,7 @@
             <a:blip r:embed="rId12">
               <a:extLst>
                 <a:ext uri="{96DAC541-7B7A-43D3-8B79-37D633B846F1}">
-                  <asvg:svgBlip xmlns:asvg="http://schemas.microsoft.com/office/drawing/2016/SVG/main" xmlns="" r:embed="rId13"/>
+                  <asvg:svgBlip xmlns:asvg="http://schemas.microsoft.com/office/drawing/2016/SVG/main" r:embed="rId13"/>
                 </a:ext>
               </a:extLst>
             </a:blip>
@@ -7699,6 +8075,13 @@
             </a:stretch>
           </a:blipFill>
         </p:spPr>
+        <p:txBody>
+          <a:bodyPr/>
+          <a:lstStyle/>
+          <a:p>
+            <a:endParaRPr lang="zh-TW" altLang="en-US"/>
+          </a:p>
+        </p:txBody>
       </p:sp>
       <p:sp>
         <p:nvSpPr>
@@ -7742,7 +8125,7 @@
             <a:blip r:embed="rId14">
               <a:extLst>
                 <a:ext uri="{96DAC541-7B7A-43D3-8B79-37D633B846F1}">
-                  <asvg:svgBlip xmlns:asvg="http://schemas.microsoft.com/office/drawing/2016/SVG/main" xmlns="" r:embed="rId15"/>
+                  <asvg:svgBlip xmlns:asvg="http://schemas.microsoft.com/office/drawing/2016/SVG/main" r:embed="rId15"/>
                 </a:ext>
               </a:extLst>
             </a:blip>
@@ -7751,6 +8134,13 @@
             </a:stretch>
           </a:blipFill>
         </p:spPr>
+        <p:txBody>
+          <a:bodyPr/>
+          <a:lstStyle/>
+          <a:p>
+            <a:endParaRPr lang="zh-TW" altLang="en-US"/>
+          </a:p>
+        </p:txBody>
       </p:sp>
       <p:grpSp>
         <p:nvGrpSpPr>
@@ -7812,6 +8202,13 @@
               <a:miter/>
             </a:ln>
           </p:spPr>
+          <p:txBody>
+            <a:bodyPr/>
+            <a:lstStyle/>
+            <a:p>
+              <a:endParaRPr lang="zh-TW" altLang="en-US"/>
+            </a:p>
+          </p:txBody>
         </p:sp>
         <p:sp>
           <p:nvSpPr>
@@ -7945,7 +8342,7 @@
         <p:spPr>
           <a:xfrm>
             <a:off x="5912055" y="2110119"/>
-            <a:ext cx="11003082" cy="6189345"/>
+            <a:ext cx="11003082" cy="6222666"/>
           </a:xfrm>
           <a:prstGeom prst="rect">
             <a:avLst/>
@@ -8037,6 +8434,66 @@
               <a:buChar char="•"/>
             </a:pPr>
             <a:r>
+              <a:rPr lang="en-US" sz="4500" dirty="0">
+                <a:solidFill>
+                  <a:srgbClr val="000000"/>
+                </a:solidFill>
+                <a:latin typeface="Anonymous Pro Bold" panose="02020500000000000000" charset="0"/>
+                <a:ea typeface="Anonymous Pro Bold" panose="02020500000000000000" charset="0"/>
+                <a:cs typeface="Cousine"/>
+                <a:sym typeface="Cousine"/>
+              </a:rPr>
+              <a:t>Gap：雙人對戰（</a:t>
+            </a:r>
+            <a:r>
+              <a:rPr lang="en-US" altLang="zh-TW" sz="4500" dirty="0">
+                <a:solidFill>
+                  <a:srgbClr val="000000"/>
+                </a:solidFill>
+                <a:latin typeface="Anonymous Pro Bold" panose="02020500000000000000" charset="0"/>
+                <a:ea typeface="Anonymous Pro Bold" panose="02020500000000000000" charset="0"/>
+                <a:cs typeface="Cousine"/>
+                <a:sym typeface="Cousine"/>
+              </a:rPr>
+              <a:t>9</a:t>
+            </a:r>
+            <a:r>
+              <a:rPr lang="zh-TW" altLang="en-US" sz="4500" dirty="0">
+                <a:solidFill>
+                  <a:srgbClr val="000000"/>
+                </a:solidFill>
+                <a:latin typeface="Anonymous Pro Bold" panose="02020500000000000000" charset="0"/>
+                <a:ea typeface="Anonymous Pro Bold" panose="02020500000000000000" charset="0"/>
+                <a:cs typeface="Cousine"/>
+                <a:sym typeface="Cousine"/>
+              </a:rPr>
+              <a:t>實</a:t>
+            </a:r>
+            <a:r>
+              <a:rPr lang="en-US" altLang="zh-TW" sz="4500" dirty="0">
+                <a:solidFill>
+                  <a:srgbClr val="000000"/>
+                </a:solidFill>
+                <a:latin typeface="Anonymous Pro Bold" panose="02020500000000000000" charset="0"/>
+                <a:ea typeface="Anonymous Pro Bold" panose="02020500000000000000" charset="0"/>
+                <a:cs typeface="Cousine"/>
+                <a:sym typeface="Cousine"/>
+              </a:rPr>
+              <a:t>1</a:t>
+            </a:r>
+            <a:r>
+              <a:rPr lang="zh-TW" altLang="en-US" sz="4500" dirty="0">
+                <a:solidFill>
+                  <a:srgbClr val="000000"/>
+                </a:solidFill>
+                <a:latin typeface="Anonymous Pro Bold" panose="02020500000000000000" charset="0"/>
+                <a:ea typeface="Anonymous Pro Bold" panose="02020500000000000000" charset="0"/>
+                <a:cs typeface="Cousine"/>
+                <a:sym typeface="Cousine"/>
+              </a:rPr>
+              <a:t>空</a:t>
+            </a:r>
+            <a:r>
               <a:rPr lang="en-US" sz="4500" dirty="0" err="1">
                 <a:solidFill>
                   <a:srgbClr val="000000"/>
@@ -8046,7 +8503,7 @@
                 <a:cs typeface="Cousine"/>
                 <a:sym typeface="Cousine"/>
               </a:rPr>
-              <a:t>Gap：雙人對戰（垃圾行可消除</a:t>
+              <a:t>垃圾行</a:t>
             </a:r>
             <a:r>
               <a:rPr lang="en-US" sz="4500" dirty="0">
@@ -8079,7 +8536,31 @@
                 <a:cs typeface="Cousine"/>
                 <a:sym typeface="Cousine"/>
               </a:rPr>
-              <a:t>Purge：雙人對戰（垃圾行不可消除</a:t>
+              <a:t>Purge：雙人對戰</a:t>
+            </a:r>
+            <a:r>
+              <a:rPr lang="en-US" sz="4500" dirty="0">
+                <a:solidFill>
+                  <a:srgbClr val="000000"/>
+                </a:solidFill>
+                <a:latin typeface="Anonymous Pro Bold" panose="02020500000000000000" charset="0"/>
+                <a:ea typeface="Anonymous Pro Bold" panose="02020500000000000000" charset="0"/>
+                <a:cs typeface="Cousine"/>
+                <a:sym typeface="Cousine"/>
+              </a:rPr>
+              <a:t>（</a:t>
+            </a:r>
+            <a:r>
+              <a:rPr lang="zh-TW" altLang="en-US" sz="4500" dirty="0">
+                <a:solidFill>
+                  <a:srgbClr val="000000"/>
+                </a:solidFill>
+                <a:latin typeface="Anonymous Pro Bold" panose="02020500000000000000" charset="0"/>
+                <a:ea typeface="Anonymous Pro Bold" panose="02020500000000000000" charset="0"/>
+                <a:cs typeface="Cousine"/>
+                <a:sym typeface="Cousine"/>
+              </a:rPr>
+              <a:t>全實心垃圾行</a:t>
             </a:r>
             <a:r>
               <a:rPr lang="en-US" sz="4500" dirty="0">
@@ -8219,6 +8700,13 @@
               <a:miter/>
             </a:ln>
           </p:spPr>
+          <p:txBody>
+            <a:bodyPr/>
+            <a:lstStyle/>
+            <a:p>
+              <a:endParaRPr lang="zh-TW" altLang="en-US"/>
+            </a:p>
+          </p:txBody>
         </p:sp>
         <p:sp>
           <p:nvSpPr>
@@ -8312,6 +8800,13 @@
               <a:miter/>
             </a:ln>
           </p:spPr>
+          <p:txBody>
+            <a:bodyPr/>
+            <a:lstStyle/>
+            <a:p>
+              <a:endParaRPr lang="zh-TW" altLang="en-US"/>
+            </a:p>
+          </p:txBody>
         </p:sp>
         <p:sp>
           <p:nvSpPr>
@@ -8387,7 +8882,7 @@
             <a:blip r:embed="rId2">
               <a:extLst>
                 <a:ext uri="{96DAC541-7B7A-43D3-8B79-37D633B846F1}">
-                  <asvg:svgBlip xmlns:asvg="http://schemas.microsoft.com/office/drawing/2016/SVG/main" xmlns="" r:embed="rId3"/>
+                  <asvg:svgBlip xmlns:asvg="http://schemas.microsoft.com/office/drawing/2016/SVG/main" r:embed="rId3"/>
                 </a:ext>
               </a:extLst>
             </a:blip>
@@ -8396,6 +8891,13 @@
             </a:stretch>
           </a:blipFill>
         </p:spPr>
+        <p:txBody>
+          <a:bodyPr/>
+          <a:lstStyle/>
+          <a:p>
+            <a:endParaRPr lang="zh-TW" altLang="en-US"/>
+          </a:p>
+        </p:txBody>
       </p:sp>
       <p:sp>
         <p:nvSpPr>
@@ -8439,7 +8941,7 @@
             <a:blip r:embed="rId4">
               <a:extLst>
                 <a:ext uri="{96DAC541-7B7A-43D3-8B79-37D633B846F1}">
-                  <asvg:svgBlip xmlns:asvg="http://schemas.microsoft.com/office/drawing/2016/SVG/main" xmlns="" r:embed="rId5"/>
+                  <asvg:svgBlip xmlns:asvg="http://schemas.microsoft.com/office/drawing/2016/SVG/main" r:embed="rId5"/>
                 </a:ext>
               </a:extLst>
             </a:blip>
@@ -8448,6 +8950,13 @@
             </a:stretch>
           </a:blipFill>
         </p:spPr>
+        <p:txBody>
+          <a:bodyPr/>
+          <a:lstStyle/>
+          <a:p>
+            <a:endParaRPr lang="zh-TW" altLang="en-US"/>
+          </a:p>
+        </p:txBody>
       </p:sp>
       <p:sp>
         <p:nvSpPr>
@@ -8491,7 +9000,7 @@
             <a:blip r:embed="rId6">
               <a:extLst>
                 <a:ext uri="{96DAC541-7B7A-43D3-8B79-37D633B846F1}">
-                  <asvg:svgBlip xmlns:asvg="http://schemas.microsoft.com/office/drawing/2016/SVG/main" xmlns="" r:embed="rId7"/>
+                  <asvg:svgBlip xmlns:asvg="http://schemas.microsoft.com/office/drawing/2016/SVG/main" r:embed="rId7"/>
                 </a:ext>
               </a:extLst>
             </a:blip>
@@ -8500,6 +9009,13 @@
             </a:stretch>
           </a:blipFill>
         </p:spPr>
+        <p:txBody>
+          <a:bodyPr/>
+          <a:lstStyle/>
+          <a:p>
+            <a:endParaRPr lang="zh-TW" altLang="en-US"/>
+          </a:p>
+        </p:txBody>
       </p:sp>
       <p:grpSp>
         <p:nvGrpSpPr>
@@ -8561,6 +9077,13 @@
               <a:miter/>
             </a:ln>
           </p:spPr>
+          <p:txBody>
+            <a:bodyPr/>
+            <a:lstStyle/>
+            <a:p>
+              <a:endParaRPr lang="zh-TW" altLang="en-US"/>
+            </a:p>
+          </p:txBody>
         </p:sp>
         <p:sp>
           <p:nvSpPr>
@@ -8654,6 +9177,13 @@
               <a:miter/>
             </a:ln>
           </p:spPr>
+          <p:txBody>
+            <a:bodyPr/>
+            <a:lstStyle/>
+            <a:p>
+              <a:endParaRPr lang="zh-TW" altLang="en-US"/>
+            </a:p>
+          </p:txBody>
         </p:sp>
         <p:sp>
           <p:nvSpPr>
@@ -8747,6 +9277,13 @@
               <a:miter/>
             </a:ln>
           </p:spPr>
+          <p:txBody>
+            <a:bodyPr/>
+            <a:lstStyle/>
+            <a:p>
+              <a:endParaRPr lang="zh-TW" altLang="en-US"/>
+            </a:p>
+          </p:txBody>
         </p:sp>
         <p:sp>
           <p:nvSpPr>
@@ -8822,7 +9359,7 @@
             <a:blip r:embed="rId8">
               <a:extLst>
                 <a:ext uri="{96DAC541-7B7A-43D3-8B79-37D633B846F1}">
-                  <asvg:svgBlip xmlns:asvg="http://schemas.microsoft.com/office/drawing/2016/SVG/main" xmlns="" r:embed="rId9"/>
+                  <asvg:svgBlip xmlns:asvg="http://schemas.microsoft.com/office/drawing/2016/SVG/main" r:embed="rId9"/>
                 </a:ext>
               </a:extLst>
             </a:blip>
@@ -8831,6 +9368,13 @@
             </a:stretch>
           </a:blipFill>
         </p:spPr>
+        <p:txBody>
+          <a:bodyPr/>
+          <a:lstStyle/>
+          <a:p>
+            <a:endParaRPr lang="zh-TW" altLang="en-US"/>
+          </a:p>
+        </p:txBody>
       </p:sp>
       <p:sp>
         <p:nvSpPr>
@@ -8874,7 +9418,7 @@
             <a:blip r:embed="rId8">
               <a:extLst>
                 <a:ext uri="{96DAC541-7B7A-43D3-8B79-37D633B846F1}">
-                  <asvg:svgBlip xmlns:asvg="http://schemas.microsoft.com/office/drawing/2016/SVG/main" xmlns="" r:embed="rId9"/>
+                  <asvg:svgBlip xmlns:asvg="http://schemas.microsoft.com/office/drawing/2016/SVG/main" r:embed="rId9"/>
                 </a:ext>
               </a:extLst>
             </a:blip>
@@ -8883,6 +9427,13 @@
             </a:stretch>
           </a:blipFill>
         </p:spPr>
+        <p:txBody>
+          <a:bodyPr/>
+          <a:lstStyle/>
+          <a:p>
+            <a:endParaRPr lang="zh-TW" altLang="en-US"/>
+          </a:p>
+        </p:txBody>
       </p:sp>
       <p:sp>
         <p:nvSpPr>
@@ -8926,7 +9477,7 @@
             <a:blip r:embed="rId10">
               <a:extLst>
                 <a:ext uri="{96DAC541-7B7A-43D3-8B79-37D633B846F1}">
-                  <asvg:svgBlip xmlns:asvg="http://schemas.microsoft.com/office/drawing/2016/SVG/main" xmlns="" r:embed="rId11"/>
+                  <asvg:svgBlip xmlns:asvg="http://schemas.microsoft.com/office/drawing/2016/SVG/main" r:embed="rId11"/>
                 </a:ext>
               </a:extLst>
             </a:blip>
@@ -8935,6 +9486,13 @@
             </a:stretch>
           </a:blipFill>
         </p:spPr>
+        <p:txBody>
+          <a:bodyPr/>
+          <a:lstStyle/>
+          <a:p>
+            <a:endParaRPr lang="zh-TW" altLang="en-US"/>
+          </a:p>
+        </p:txBody>
       </p:sp>
       <p:sp>
         <p:nvSpPr>
@@ -8978,7 +9536,7 @@
             <a:blip r:embed="rId12">
               <a:extLst>
                 <a:ext uri="{96DAC541-7B7A-43D3-8B79-37D633B846F1}">
-                  <asvg:svgBlip xmlns:asvg="http://schemas.microsoft.com/office/drawing/2016/SVG/main" xmlns="" r:embed="rId13"/>
+                  <asvg:svgBlip xmlns:asvg="http://schemas.microsoft.com/office/drawing/2016/SVG/main" r:embed="rId13"/>
                 </a:ext>
               </a:extLst>
             </a:blip>
@@ -8987,6 +9545,13 @@
             </a:stretch>
           </a:blipFill>
         </p:spPr>
+        <p:txBody>
+          <a:bodyPr/>
+          <a:lstStyle/>
+          <a:p>
+            <a:endParaRPr lang="zh-TW" altLang="en-US"/>
+          </a:p>
+        </p:txBody>
       </p:sp>
       <p:sp>
         <p:nvSpPr>
@@ -9030,7 +9595,7 @@
             <a:blip r:embed="rId14">
               <a:extLst>
                 <a:ext uri="{96DAC541-7B7A-43D3-8B79-37D633B846F1}">
-                  <asvg:svgBlip xmlns:asvg="http://schemas.microsoft.com/office/drawing/2016/SVG/main" xmlns="" r:embed="rId15"/>
+                  <asvg:svgBlip xmlns:asvg="http://schemas.microsoft.com/office/drawing/2016/SVG/main" r:embed="rId15"/>
                 </a:ext>
               </a:extLst>
             </a:blip>
@@ -9039,6 +9604,13 @@
             </a:stretch>
           </a:blipFill>
         </p:spPr>
+        <p:txBody>
+          <a:bodyPr/>
+          <a:lstStyle/>
+          <a:p>
+            <a:endParaRPr lang="zh-TW" altLang="en-US"/>
+          </a:p>
+        </p:txBody>
       </p:sp>
       <p:grpSp>
         <p:nvGrpSpPr>
@@ -9100,6 +9672,13 @@
               <a:miter/>
             </a:ln>
           </p:spPr>
+          <p:txBody>
+            <a:bodyPr/>
+            <a:lstStyle/>
+            <a:p>
+              <a:endParaRPr lang="zh-TW" altLang="en-US"/>
+            </a:p>
+          </p:txBody>
         </p:sp>
         <p:sp>
           <p:nvSpPr>
@@ -9178,6 +9757,13 @@
             </a:stretch>
           </a:blipFill>
         </p:spPr>
+        <p:txBody>
+          <a:bodyPr/>
+          <a:lstStyle/>
+          <a:p>
+            <a:endParaRPr lang="zh-TW" altLang="en-US"/>
+          </a:p>
+        </p:txBody>
       </p:sp>
       <p:sp>
         <p:nvSpPr>
@@ -9363,6 +9949,13 @@
               <a:miter/>
             </a:ln>
           </p:spPr>
+          <p:txBody>
+            <a:bodyPr/>
+            <a:lstStyle/>
+            <a:p>
+              <a:endParaRPr lang="zh-TW" altLang="en-US"/>
+            </a:p>
+          </p:txBody>
         </p:sp>
         <p:sp>
           <p:nvSpPr>
@@ -9456,6 +10049,13 @@
               <a:miter/>
             </a:ln>
           </p:spPr>
+          <p:txBody>
+            <a:bodyPr/>
+            <a:lstStyle/>
+            <a:p>
+              <a:endParaRPr lang="zh-TW" altLang="en-US"/>
+            </a:p>
+          </p:txBody>
         </p:sp>
         <p:sp>
           <p:nvSpPr>
@@ -9531,7 +10131,7 @@
             <a:blip r:embed="rId2">
               <a:extLst>
                 <a:ext uri="{96DAC541-7B7A-43D3-8B79-37D633B846F1}">
-                  <asvg:svgBlip xmlns:asvg="http://schemas.microsoft.com/office/drawing/2016/SVG/main" xmlns="" r:embed="rId3"/>
+                  <asvg:svgBlip xmlns:asvg="http://schemas.microsoft.com/office/drawing/2016/SVG/main" r:embed="rId3"/>
                 </a:ext>
               </a:extLst>
             </a:blip>
@@ -9540,6 +10140,13 @@
             </a:stretch>
           </a:blipFill>
         </p:spPr>
+        <p:txBody>
+          <a:bodyPr/>
+          <a:lstStyle/>
+          <a:p>
+            <a:endParaRPr lang="zh-TW" altLang="en-US"/>
+          </a:p>
+        </p:txBody>
       </p:sp>
       <p:sp>
         <p:nvSpPr>
@@ -9583,7 +10190,7 @@
             <a:blip r:embed="rId4">
               <a:extLst>
                 <a:ext uri="{96DAC541-7B7A-43D3-8B79-37D633B846F1}">
-                  <asvg:svgBlip xmlns:asvg="http://schemas.microsoft.com/office/drawing/2016/SVG/main" xmlns="" r:embed="rId5"/>
+                  <asvg:svgBlip xmlns:asvg="http://schemas.microsoft.com/office/drawing/2016/SVG/main" r:embed="rId5"/>
                 </a:ext>
               </a:extLst>
             </a:blip>
@@ -9592,6 +10199,13 @@
             </a:stretch>
           </a:blipFill>
         </p:spPr>
+        <p:txBody>
+          <a:bodyPr/>
+          <a:lstStyle/>
+          <a:p>
+            <a:endParaRPr lang="zh-TW" altLang="en-US"/>
+          </a:p>
+        </p:txBody>
       </p:sp>
       <p:sp>
         <p:nvSpPr>
@@ -9635,7 +10249,7 @@
             <a:blip r:embed="rId6">
               <a:extLst>
                 <a:ext uri="{96DAC541-7B7A-43D3-8B79-37D633B846F1}">
-                  <asvg:svgBlip xmlns:asvg="http://schemas.microsoft.com/office/drawing/2016/SVG/main" xmlns="" r:embed="rId7"/>
+                  <asvg:svgBlip xmlns:asvg="http://schemas.microsoft.com/office/drawing/2016/SVG/main" r:embed="rId7"/>
                 </a:ext>
               </a:extLst>
             </a:blip>
@@ -9644,6 +10258,13 @@
             </a:stretch>
           </a:blipFill>
         </p:spPr>
+        <p:txBody>
+          <a:bodyPr/>
+          <a:lstStyle/>
+          <a:p>
+            <a:endParaRPr lang="zh-TW" altLang="en-US"/>
+          </a:p>
+        </p:txBody>
       </p:sp>
       <p:grpSp>
         <p:nvGrpSpPr>
@@ -9705,6 +10326,13 @@
               <a:miter/>
             </a:ln>
           </p:spPr>
+          <p:txBody>
+            <a:bodyPr/>
+            <a:lstStyle/>
+            <a:p>
+              <a:endParaRPr lang="zh-TW" altLang="en-US"/>
+            </a:p>
+          </p:txBody>
         </p:sp>
         <p:sp>
           <p:nvSpPr>
@@ -9798,6 +10426,13 @@
               <a:miter/>
             </a:ln>
           </p:spPr>
+          <p:txBody>
+            <a:bodyPr/>
+            <a:lstStyle/>
+            <a:p>
+              <a:endParaRPr lang="zh-TW" altLang="en-US"/>
+            </a:p>
+          </p:txBody>
         </p:sp>
         <p:sp>
           <p:nvSpPr>
@@ -9891,6 +10526,13 @@
               <a:miter/>
             </a:ln>
           </p:spPr>
+          <p:txBody>
+            <a:bodyPr/>
+            <a:lstStyle/>
+            <a:p>
+              <a:endParaRPr lang="zh-TW" altLang="en-US"/>
+            </a:p>
+          </p:txBody>
         </p:sp>
         <p:sp>
           <p:nvSpPr>
@@ -9966,7 +10608,7 @@
             <a:blip r:embed="rId8">
               <a:extLst>
                 <a:ext uri="{96DAC541-7B7A-43D3-8B79-37D633B846F1}">
-                  <asvg:svgBlip xmlns:asvg="http://schemas.microsoft.com/office/drawing/2016/SVG/main" xmlns="" r:embed="rId9"/>
+                  <asvg:svgBlip xmlns:asvg="http://schemas.microsoft.com/office/drawing/2016/SVG/main" r:embed="rId9"/>
                 </a:ext>
               </a:extLst>
             </a:blip>
@@ -9975,6 +10617,13 @@
             </a:stretch>
           </a:blipFill>
         </p:spPr>
+        <p:txBody>
+          <a:bodyPr/>
+          <a:lstStyle/>
+          <a:p>
+            <a:endParaRPr lang="zh-TW" altLang="en-US"/>
+          </a:p>
+        </p:txBody>
       </p:sp>
       <p:sp>
         <p:nvSpPr>
@@ -10018,7 +10667,7 @@
             <a:blip r:embed="rId8">
               <a:extLst>
                 <a:ext uri="{96DAC541-7B7A-43D3-8B79-37D633B846F1}">
-                  <asvg:svgBlip xmlns:asvg="http://schemas.microsoft.com/office/drawing/2016/SVG/main" xmlns="" r:embed="rId9"/>
+                  <asvg:svgBlip xmlns:asvg="http://schemas.microsoft.com/office/drawing/2016/SVG/main" r:embed="rId9"/>
                 </a:ext>
               </a:extLst>
             </a:blip>
@@ -10027,6 +10676,13 @@
             </a:stretch>
           </a:blipFill>
         </p:spPr>
+        <p:txBody>
+          <a:bodyPr/>
+          <a:lstStyle/>
+          <a:p>
+            <a:endParaRPr lang="zh-TW" altLang="en-US"/>
+          </a:p>
+        </p:txBody>
       </p:sp>
       <p:sp>
         <p:nvSpPr>
@@ -10070,7 +10726,7 @@
             <a:blip r:embed="rId10">
               <a:extLst>
                 <a:ext uri="{96DAC541-7B7A-43D3-8B79-37D633B846F1}">
-                  <asvg:svgBlip xmlns:asvg="http://schemas.microsoft.com/office/drawing/2016/SVG/main" xmlns="" r:embed="rId11"/>
+                  <asvg:svgBlip xmlns:asvg="http://schemas.microsoft.com/office/drawing/2016/SVG/main" r:embed="rId11"/>
                 </a:ext>
               </a:extLst>
             </a:blip>
@@ -10079,6 +10735,13 @@
             </a:stretch>
           </a:blipFill>
         </p:spPr>
+        <p:txBody>
+          <a:bodyPr/>
+          <a:lstStyle/>
+          <a:p>
+            <a:endParaRPr lang="zh-TW" altLang="en-US"/>
+          </a:p>
+        </p:txBody>
       </p:sp>
       <p:sp>
         <p:nvSpPr>
@@ -10122,7 +10785,7 @@
             <a:blip r:embed="rId12">
               <a:extLst>
                 <a:ext uri="{96DAC541-7B7A-43D3-8B79-37D633B846F1}">
-                  <asvg:svgBlip xmlns:asvg="http://schemas.microsoft.com/office/drawing/2016/SVG/main" xmlns="" r:embed="rId13"/>
+                  <asvg:svgBlip xmlns:asvg="http://schemas.microsoft.com/office/drawing/2016/SVG/main" r:embed="rId13"/>
                 </a:ext>
               </a:extLst>
             </a:blip>
@@ -10131,6 +10794,13 @@
             </a:stretch>
           </a:blipFill>
         </p:spPr>
+        <p:txBody>
+          <a:bodyPr/>
+          <a:lstStyle/>
+          <a:p>
+            <a:endParaRPr lang="zh-TW" altLang="en-US"/>
+          </a:p>
+        </p:txBody>
       </p:sp>
       <p:sp>
         <p:nvSpPr>
@@ -10174,7 +10844,7 @@
             <a:blip r:embed="rId14">
               <a:extLst>
                 <a:ext uri="{96DAC541-7B7A-43D3-8B79-37D633B846F1}">
-                  <asvg:svgBlip xmlns:asvg="http://schemas.microsoft.com/office/drawing/2016/SVG/main" xmlns="" r:embed="rId15"/>
+                  <asvg:svgBlip xmlns:asvg="http://schemas.microsoft.com/office/drawing/2016/SVG/main" r:embed="rId15"/>
                 </a:ext>
               </a:extLst>
             </a:blip>
@@ -10183,6 +10853,13 @@
             </a:stretch>
           </a:blipFill>
         </p:spPr>
+        <p:txBody>
+          <a:bodyPr/>
+          <a:lstStyle/>
+          <a:p>
+            <a:endParaRPr lang="zh-TW" altLang="en-US"/>
+          </a:p>
+        </p:txBody>
       </p:sp>
       <p:sp>
         <p:nvSpPr>
@@ -10335,6 +11012,13 @@
               <a:miter/>
             </a:ln>
           </p:spPr>
+          <p:txBody>
+            <a:bodyPr/>
+            <a:lstStyle/>
+            <a:p>
+              <a:endParaRPr lang="zh-TW" altLang="en-US"/>
+            </a:p>
+          </p:txBody>
         </p:sp>
         <p:sp>
           <p:nvSpPr>
@@ -10869,6 +11553,13 @@
               <a:miter/>
             </a:ln>
           </p:spPr>
+          <p:txBody>
+            <a:bodyPr/>
+            <a:lstStyle/>
+            <a:p>
+              <a:endParaRPr lang="zh-TW" altLang="en-US"/>
+            </a:p>
+          </p:txBody>
         </p:sp>
         <p:sp>
           <p:nvSpPr>
@@ -10962,6 +11653,13 @@
               <a:miter/>
             </a:ln>
           </p:spPr>
+          <p:txBody>
+            <a:bodyPr/>
+            <a:lstStyle/>
+            <a:p>
+              <a:endParaRPr lang="zh-TW" altLang="en-US"/>
+            </a:p>
+          </p:txBody>
         </p:sp>
         <p:sp>
           <p:nvSpPr>
@@ -11037,7 +11735,7 @@
             <a:blip r:embed="rId2">
               <a:extLst>
                 <a:ext uri="{96DAC541-7B7A-43D3-8B79-37D633B846F1}">
-                  <asvg:svgBlip xmlns:asvg="http://schemas.microsoft.com/office/drawing/2016/SVG/main" xmlns="" r:embed="rId3"/>
+                  <asvg:svgBlip xmlns:asvg="http://schemas.microsoft.com/office/drawing/2016/SVG/main" r:embed="rId3"/>
                 </a:ext>
               </a:extLst>
             </a:blip>
@@ -11046,6 +11744,13 @@
             </a:stretch>
           </a:blipFill>
         </p:spPr>
+        <p:txBody>
+          <a:bodyPr/>
+          <a:lstStyle/>
+          <a:p>
+            <a:endParaRPr lang="zh-TW" altLang="en-US"/>
+          </a:p>
+        </p:txBody>
       </p:sp>
       <p:sp>
         <p:nvSpPr>
@@ -11089,7 +11794,7 @@
             <a:blip r:embed="rId4">
               <a:extLst>
                 <a:ext uri="{96DAC541-7B7A-43D3-8B79-37D633B846F1}">
-                  <asvg:svgBlip xmlns:asvg="http://schemas.microsoft.com/office/drawing/2016/SVG/main" xmlns="" r:embed="rId5"/>
+                  <asvg:svgBlip xmlns:asvg="http://schemas.microsoft.com/office/drawing/2016/SVG/main" r:embed="rId5"/>
                 </a:ext>
               </a:extLst>
             </a:blip>
@@ -11098,6 +11803,13 @@
             </a:stretch>
           </a:blipFill>
         </p:spPr>
+        <p:txBody>
+          <a:bodyPr/>
+          <a:lstStyle/>
+          <a:p>
+            <a:endParaRPr lang="zh-TW" altLang="en-US"/>
+          </a:p>
+        </p:txBody>
       </p:sp>
       <p:sp>
         <p:nvSpPr>
@@ -11141,7 +11853,7 @@
             <a:blip r:embed="rId6">
               <a:extLst>
                 <a:ext uri="{96DAC541-7B7A-43D3-8B79-37D633B846F1}">
-                  <asvg:svgBlip xmlns:asvg="http://schemas.microsoft.com/office/drawing/2016/SVG/main" xmlns="" r:embed="rId7"/>
+                  <asvg:svgBlip xmlns:asvg="http://schemas.microsoft.com/office/drawing/2016/SVG/main" r:embed="rId7"/>
                 </a:ext>
               </a:extLst>
             </a:blip>
@@ -11150,6 +11862,13 @@
             </a:stretch>
           </a:blipFill>
         </p:spPr>
+        <p:txBody>
+          <a:bodyPr/>
+          <a:lstStyle/>
+          <a:p>
+            <a:endParaRPr lang="zh-TW" altLang="en-US"/>
+          </a:p>
+        </p:txBody>
       </p:sp>
       <p:grpSp>
         <p:nvGrpSpPr>
@@ -11211,6 +11930,13 @@
               <a:miter/>
             </a:ln>
           </p:spPr>
+          <p:txBody>
+            <a:bodyPr/>
+            <a:lstStyle/>
+            <a:p>
+              <a:endParaRPr lang="zh-TW" altLang="en-US"/>
+            </a:p>
+          </p:txBody>
         </p:sp>
         <p:sp>
           <p:nvSpPr>
@@ -11304,6 +12030,13 @@
               <a:miter/>
             </a:ln>
           </p:spPr>
+          <p:txBody>
+            <a:bodyPr/>
+            <a:lstStyle/>
+            <a:p>
+              <a:endParaRPr lang="zh-TW" altLang="en-US"/>
+            </a:p>
+          </p:txBody>
         </p:sp>
         <p:sp>
           <p:nvSpPr>
@@ -11397,6 +12130,13 @@
               <a:miter/>
             </a:ln>
           </p:spPr>
+          <p:txBody>
+            <a:bodyPr/>
+            <a:lstStyle/>
+            <a:p>
+              <a:endParaRPr lang="zh-TW" altLang="en-US"/>
+            </a:p>
+          </p:txBody>
         </p:sp>
         <p:sp>
           <p:nvSpPr>
@@ -11472,7 +12212,7 @@
             <a:blip r:embed="rId8">
               <a:extLst>
                 <a:ext uri="{96DAC541-7B7A-43D3-8B79-37D633B846F1}">
-                  <asvg:svgBlip xmlns:asvg="http://schemas.microsoft.com/office/drawing/2016/SVG/main" xmlns="" r:embed="rId9"/>
+                  <asvg:svgBlip xmlns:asvg="http://schemas.microsoft.com/office/drawing/2016/SVG/main" r:embed="rId9"/>
                 </a:ext>
               </a:extLst>
             </a:blip>
@@ -11481,6 +12221,13 @@
             </a:stretch>
           </a:blipFill>
         </p:spPr>
+        <p:txBody>
+          <a:bodyPr/>
+          <a:lstStyle/>
+          <a:p>
+            <a:endParaRPr lang="zh-TW" altLang="en-US"/>
+          </a:p>
+        </p:txBody>
       </p:sp>
       <p:sp>
         <p:nvSpPr>
@@ -11524,7 +12271,7 @@
             <a:blip r:embed="rId8">
               <a:extLst>
                 <a:ext uri="{96DAC541-7B7A-43D3-8B79-37D633B846F1}">
-                  <asvg:svgBlip xmlns:asvg="http://schemas.microsoft.com/office/drawing/2016/SVG/main" xmlns="" r:embed="rId9"/>
+                  <asvg:svgBlip xmlns:asvg="http://schemas.microsoft.com/office/drawing/2016/SVG/main" r:embed="rId9"/>
                 </a:ext>
               </a:extLst>
             </a:blip>
@@ -11533,6 +12280,13 @@
             </a:stretch>
           </a:blipFill>
         </p:spPr>
+        <p:txBody>
+          <a:bodyPr/>
+          <a:lstStyle/>
+          <a:p>
+            <a:endParaRPr lang="zh-TW" altLang="en-US"/>
+          </a:p>
+        </p:txBody>
       </p:sp>
       <p:sp>
         <p:nvSpPr>
@@ -11576,7 +12330,7 @@
             <a:blip r:embed="rId10">
               <a:extLst>
                 <a:ext uri="{96DAC541-7B7A-43D3-8B79-37D633B846F1}">
-                  <asvg:svgBlip xmlns:asvg="http://schemas.microsoft.com/office/drawing/2016/SVG/main" xmlns="" r:embed="rId11"/>
+                  <asvg:svgBlip xmlns:asvg="http://schemas.microsoft.com/office/drawing/2016/SVG/main" r:embed="rId11"/>
                 </a:ext>
               </a:extLst>
             </a:blip>
@@ -11585,6 +12339,13 @@
             </a:stretch>
           </a:blipFill>
         </p:spPr>
+        <p:txBody>
+          <a:bodyPr/>
+          <a:lstStyle/>
+          <a:p>
+            <a:endParaRPr lang="zh-TW" altLang="en-US"/>
+          </a:p>
+        </p:txBody>
       </p:sp>
       <p:sp>
         <p:nvSpPr>
@@ -11628,7 +12389,7 @@
             <a:blip r:embed="rId12">
               <a:extLst>
                 <a:ext uri="{96DAC541-7B7A-43D3-8B79-37D633B846F1}">
-                  <asvg:svgBlip xmlns:asvg="http://schemas.microsoft.com/office/drawing/2016/SVG/main" xmlns="" r:embed="rId13"/>
+                  <asvg:svgBlip xmlns:asvg="http://schemas.microsoft.com/office/drawing/2016/SVG/main" r:embed="rId13"/>
                 </a:ext>
               </a:extLst>
             </a:blip>
@@ -11637,6 +12398,13 @@
             </a:stretch>
           </a:blipFill>
         </p:spPr>
+        <p:txBody>
+          <a:bodyPr/>
+          <a:lstStyle/>
+          <a:p>
+            <a:endParaRPr lang="zh-TW" altLang="en-US"/>
+          </a:p>
+        </p:txBody>
       </p:sp>
       <p:sp>
         <p:nvSpPr>
@@ -11680,7 +12448,7 @@
             <a:blip r:embed="rId14">
               <a:extLst>
                 <a:ext uri="{96DAC541-7B7A-43D3-8B79-37D633B846F1}">
-                  <asvg:svgBlip xmlns:asvg="http://schemas.microsoft.com/office/drawing/2016/SVG/main" xmlns="" r:embed="rId15"/>
+                  <asvg:svgBlip xmlns:asvg="http://schemas.microsoft.com/office/drawing/2016/SVG/main" r:embed="rId15"/>
                 </a:ext>
               </a:extLst>
             </a:blip>
@@ -11689,6 +12457,13 @@
             </a:stretch>
           </a:blipFill>
         </p:spPr>
+        <p:txBody>
+          <a:bodyPr/>
+          <a:lstStyle/>
+          <a:p>
+            <a:endParaRPr lang="zh-TW" altLang="en-US"/>
+          </a:p>
+        </p:txBody>
       </p:sp>
       <p:grpSp>
         <p:nvGrpSpPr>
@@ -11750,6 +12525,13 @@
               <a:miter/>
             </a:ln>
           </p:spPr>
+          <p:txBody>
+            <a:bodyPr/>
+            <a:lstStyle/>
+            <a:p>
+              <a:endParaRPr lang="zh-TW" altLang="en-US"/>
+            </a:p>
+          </p:txBody>
         </p:sp>
         <p:sp>
           <p:nvSpPr>
@@ -11828,6 +12610,13 @@
             </a:stretch>
           </a:blipFill>
         </p:spPr>
+        <p:txBody>
+          <a:bodyPr/>
+          <a:lstStyle/>
+          <a:p>
+            <a:endParaRPr lang="zh-TW" altLang="en-US"/>
+          </a:p>
+        </p:txBody>
       </p:sp>
       <p:grpSp>
         <p:nvGrpSpPr>
@@ -11905,6 +12694,13 @@
               <a:srgbClr val="13171E"/>
             </a:solidFill>
           </p:spPr>
+          <p:txBody>
+            <a:bodyPr/>
+            <a:lstStyle/>
+            <a:p>
+              <a:endParaRPr lang="zh-TW" altLang="en-US"/>
+            </a:p>
+          </p:txBody>
         </p:sp>
         <p:sp>
           <p:nvSpPr>
@@ -12113,6 +12909,13 @@
               <a:srgbClr val="13171E"/>
             </a:solidFill>
           </p:spPr>
+          <p:txBody>
+            <a:bodyPr/>
+            <a:lstStyle/>
+            <a:p>
+              <a:endParaRPr lang="zh-TW" altLang="en-US"/>
+            </a:p>
+          </p:txBody>
         </p:sp>
         <p:sp>
           <p:nvSpPr>
@@ -12247,6 +13050,13 @@
               <a:miter/>
             </a:ln>
           </p:spPr>
+          <p:txBody>
+            <a:bodyPr/>
+            <a:lstStyle/>
+            <a:p>
+              <a:endParaRPr lang="zh-TW" altLang="en-US"/>
+            </a:p>
+          </p:txBody>
         </p:sp>
         <p:sp>
           <p:nvSpPr>
@@ -12340,6 +13150,13 @@
               <a:miter/>
             </a:ln>
           </p:spPr>
+          <p:txBody>
+            <a:bodyPr/>
+            <a:lstStyle/>
+            <a:p>
+              <a:endParaRPr lang="zh-TW" altLang="en-US"/>
+            </a:p>
+          </p:txBody>
         </p:sp>
         <p:sp>
           <p:nvSpPr>
@@ -12415,7 +13232,7 @@
             <a:blip r:embed="rId2">
               <a:extLst>
                 <a:ext uri="{96DAC541-7B7A-43D3-8B79-37D633B846F1}">
-                  <asvg:svgBlip xmlns:asvg="http://schemas.microsoft.com/office/drawing/2016/SVG/main" xmlns="" r:embed="rId3"/>
+                  <asvg:svgBlip xmlns:asvg="http://schemas.microsoft.com/office/drawing/2016/SVG/main" r:embed="rId3"/>
                 </a:ext>
               </a:extLst>
             </a:blip>
@@ -12424,6 +13241,13 @@
             </a:stretch>
           </a:blipFill>
         </p:spPr>
+        <p:txBody>
+          <a:bodyPr/>
+          <a:lstStyle/>
+          <a:p>
+            <a:endParaRPr lang="zh-TW" altLang="en-US"/>
+          </a:p>
+        </p:txBody>
       </p:sp>
       <p:sp>
         <p:nvSpPr>
@@ -12467,7 +13291,7 @@
             <a:blip r:embed="rId4">
               <a:extLst>
                 <a:ext uri="{96DAC541-7B7A-43D3-8B79-37D633B846F1}">
-                  <asvg:svgBlip xmlns:asvg="http://schemas.microsoft.com/office/drawing/2016/SVG/main" xmlns="" r:embed="rId5"/>
+                  <asvg:svgBlip xmlns:asvg="http://schemas.microsoft.com/office/drawing/2016/SVG/main" r:embed="rId5"/>
                 </a:ext>
               </a:extLst>
             </a:blip>
@@ -12476,6 +13300,13 @@
             </a:stretch>
           </a:blipFill>
         </p:spPr>
+        <p:txBody>
+          <a:bodyPr/>
+          <a:lstStyle/>
+          <a:p>
+            <a:endParaRPr lang="zh-TW" altLang="en-US"/>
+          </a:p>
+        </p:txBody>
       </p:sp>
       <p:sp>
         <p:nvSpPr>
@@ -12519,7 +13350,7 @@
             <a:blip r:embed="rId6">
               <a:extLst>
                 <a:ext uri="{96DAC541-7B7A-43D3-8B79-37D633B846F1}">
-                  <asvg:svgBlip xmlns:asvg="http://schemas.microsoft.com/office/drawing/2016/SVG/main" xmlns="" r:embed="rId7"/>
+                  <asvg:svgBlip xmlns:asvg="http://schemas.microsoft.com/office/drawing/2016/SVG/main" r:embed="rId7"/>
                 </a:ext>
               </a:extLst>
             </a:blip>
@@ -12528,6 +13359,13 @@
             </a:stretch>
           </a:blipFill>
         </p:spPr>
+        <p:txBody>
+          <a:bodyPr/>
+          <a:lstStyle/>
+          <a:p>
+            <a:endParaRPr lang="zh-TW" altLang="en-US"/>
+          </a:p>
+        </p:txBody>
       </p:sp>
       <p:grpSp>
         <p:nvGrpSpPr>
@@ -12589,6 +13427,13 @@
               <a:miter/>
             </a:ln>
           </p:spPr>
+          <p:txBody>
+            <a:bodyPr/>
+            <a:lstStyle/>
+            <a:p>
+              <a:endParaRPr lang="zh-TW" altLang="en-US"/>
+            </a:p>
+          </p:txBody>
         </p:sp>
         <p:sp>
           <p:nvSpPr>
@@ -12682,6 +13527,13 @@
               <a:miter/>
             </a:ln>
           </p:spPr>
+          <p:txBody>
+            <a:bodyPr/>
+            <a:lstStyle/>
+            <a:p>
+              <a:endParaRPr lang="zh-TW" altLang="en-US"/>
+            </a:p>
+          </p:txBody>
         </p:sp>
         <p:sp>
           <p:nvSpPr>
@@ -12775,6 +13627,13 @@
               <a:miter/>
             </a:ln>
           </p:spPr>
+          <p:txBody>
+            <a:bodyPr/>
+            <a:lstStyle/>
+            <a:p>
+              <a:endParaRPr lang="zh-TW" altLang="en-US"/>
+            </a:p>
+          </p:txBody>
         </p:sp>
         <p:sp>
           <p:nvSpPr>
@@ -12850,7 +13709,7 @@
             <a:blip r:embed="rId8">
               <a:extLst>
                 <a:ext uri="{96DAC541-7B7A-43D3-8B79-37D633B846F1}">
-                  <asvg:svgBlip xmlns:asvg="http://schemas.microsoft.com/office/drawing/2016/SVG/main" xmlns="" r:embed="rId9"/>
+                  <asvg:svgBlip xmlns:asvg="http://schemas.microsoft.com/office/drawing/2016/SVG/main" r:embed="rId9"/>
                 </a:ext>
               </a:extLst>
             </a:blip>
@@ -12859,6 +13718,13 @@
             </a:stretch>
           </a:blipFill>
         </p:spPr>
+        <p:txBody>
+          <a:bodyPr/>
+          <a:lstStyle/>
+          <a:p>
+            <a:endParaRPr lang="zh-TW" altLang="en-US"/>
+          </a:p>
+        </p:txBody>
       </p:sp>
       <p:sp>
         <p:nvSpPr>
@@ -12902,7 +13768,7 @@
             <a:blip r:embed="rId8">
               <a:extLst>
                 <a:ext uri="{96DAC541-7B7A-43D3-8B79-37D633B846F1}">
-                  <asvg:svgBlip xmlns:asvg="http://schemas.microsoft.com/office/drawing/2016/SVG/main" xmlns="" r:embed="rId9"/>
+                  <asvg:svgBlip xmlns:asvg="http://schemas.microsoft.com/office/drawing/2016/SVG/main" r:embed="rId9"/>
                 </a:ext>
               </a:extLst>
             </a:blip>
@@ -12911,6 +13777,13 @@
             </a:stretch>
           </a:blipFill>
         </p:spPr>
+        <p:txBody>
+          <a:bodyPr/>
+          <a:lstStyle/>
+          <a:p>
+            <a:endParaRPr lang="zh-TW" altLang="en-US"/>
+          </a:p>
+        </p:txBody>
       </p:sp>
       <p:sp>
         <p:nvSpPr>
@@ -12954,7 +13827,7 @@
             <a:blip r:embed="rId10">
               <a:extLst>
                 <a:ext uri="{96DAC541-7B7A-43D3-8B79-37D633B846F1}">
-                  <asvg:svgBlip xmlns:asvg="http://schemas.microsoft.com/office/drawing/2016/SVG/main" xmlns="" r:embed="rId11"/>
+                  <asvg:svgBlip xmlns:asvg="http://schemas.microsoft.com/office/drawing/2016/SVG/main" r:embed="rId11"/>
                 </a:ext>
               </a:extLst>
             </a:blip>
@@ -12963,6 +13836,13 @@
             </a:stretch>
           </a:blipFill>
         </p:spPr>
+        <p:txBody>
+          <a:bodyPr/>
+          <a:lstStyle/>
+          <a:p>
+            <a:endParaRPr lang="zh-TW" altLang="en-US"/>
+          </a:p>
+        </p:txBody>
       </p:sp>
       <p:sp>
         <p:nvSpPr>
@@ -13006,7 +13886,7 @@
             <a:blip r:embed="rId12">
               <a:extLst>
                 <a:ext uri="{96DAC541-7B7A-43D3-8B79-37D633B846F1}">
-                  <asvg:svgBlip xmlns:asvg="http://schemas.microsoft.com/office/drawing/2016/SVG/main" xmlns="" r:embed="rId13"/>
+                  <asvg:svgBlip xmlns:asvg="http://schemas.microsoft.com/office/drawing/2016/SVG/main" r:embed="rId13"/>
                 </a:ext>
               </a:extLst>
             </a:blip>
@@ -13015,6 +13895,13 @@
             </a:stretch>
           </a:blipFill>
         </p:spPr>
+        <p:txBody>
+          <a:bodyPr/>
+          <a:lstStyle/>
+          <a:p>
+            <a:endParaRPr lang="zh-TW" altLang="en-US"/>
+          </a:p>
+        </p:txBody>
       </p:sp>
       <p:sp>
         <p:nvSpPr>
@@ -13058,7 +13945,7 @@
             <a:blip r:embed="rId14">
               <a:extLst>
                 <a:ext uri="{96DAC541-7B7A-43D3-8B79-37D633B846F1}">
-                  <asvg:svgBlip xmlns:asvg="http://schemas.microsoft.com/office/drawing/2016/SVG/main" xmlns="" r:embed="rId15"/>
+                  <asvg:svgBlip xmlns:asvg="http://schemas.microsoft.com/office/drawing/2016/SVG/main" r:embed="rId15"/>
                 </a:ext>
               </a:extLst>
             </a:blip>
@@ -13067,6 +13954,13 @@
             </a:stretch>
           </a:blipFill>
         </p:spPr>
+        <p:txBody>
+          <a:bodyPr/>
+          <a:lstStyle/>
+          <a:p>
+            <a:endParaRPr lang="zh-TW" altLang="en-US"/>
+          </a:p>
+        </p:txBody>
       </p:sp>
       <p:grpSp>
         <p:nvGrpSpPr>
@@ -13128,6 +14022,13 @@
               <a:miter/>
             </a:ln>
           </p:spPr>
+          <p:txBody>
+            <a:bodyPr/>
+            <a:lstStyle/>
+            <a:p>
+              <a:endParaRPr lang="zh-TW" altLang="en-US"/>
+            </a:p>
+          </p:txBody>
         </p:sp>
         <p:sp>
           <p:nvSpPr>
@@ -13259,6 +14160,13 @@
               </a:srgbClr>
             </a:solidFill>
           </p:spPr>
+          <p:txBody>
+            <a:bodyPr/>
+            <a:lstStyle/>
+            <a:p>
+              <a:endParaRPr lang="zh-TW" altLang="en-US"/>
+            </a:p>
+          </p:txBody>
         </p:sp>
         <p:sp>
           <p:nvSpPr>
@@ -13389,14 +14297,14 @@
         <p:spPr>
           <a:xfrm>
             <a:off x="5903100" y="2588069"/>
-            <a:ext cx="7892696" cy="6057877"/>
+            <a:ext cx="8955900" cy="5378204"/>
           </a:xfrm>
           <a:prstGeom prst="rect">
             <a:avLst/>
           </a:prstGeom>
         </p:spPr>
         <p:txBody>
-          <a:bodyPr lIns="0" tIns="0" rIns="0" bIns="0" rtlCol="0" anchor="t">
+          <a:bodyPr wrap="square" lIns="0" tIns="0" rIns="0" bIns="0" rtlCol="0" anchor="t">
             <a:spAutoFit/>
           </a:bodyPr>
           <a:lstStyle/>
@@ -13735,6 +14643,13 @@
               <a:miter/>
             </a:ln>
           </p:spPr>
+          <p:txBody>
+            <a:bodyPr/>
+            <a:lstStyle/>
+            <a:p>
+              <a:endParaRPr lang="zh-TW" altLang="en-US"/>
+            </a:p>
+          </p:txBody>
         </p:sp>
         <p:sp>
           <p:nvSpPr>
@@ -13828,6 +14743,13 @@
               <a:miter/>
             </a:ln>
           </p:spPr>
+          <p:txBody>
+            <a:bodyPr/>
+            <a:lstStyle/>
+            <a:p>
+              <a:endParaRPr lang="zh-TW" altLang="en-US"/>
+            </a:p>
+          </p:txBody>
         </p:sp>
         <p:sp>
           <p:nvSpPr>
@@ -13903,7 +14825,7 @@
             <a:blip r:embed="rId2">
               <a:extLst>
                 <a:ext uri="{96DAC541-7B7A-43D3-8B79-37D633B846F1}">
-                  <asvg:svgBlip xmlns:asvg="http://schemas.microsoft.com/office/drawing/2016/SVG/main" xmlns="" r:embed="rId3"/>
+                  <asvg:svgBlip xmlns:asvg="http://schemas.microsoft.com/office/drawing/2016/SVG/main" r:embed="rId3"/>
                 </a:ext>
               </a:extLst>
             </a:blip>
@@ -13912,6 +14834,13 @@
             </a:stretch>
           </a:blipFill>
         </p:spPr>
+        <p:txBody>
+          <a:bodyPr/>
+          <a:lstStyle/>
+          <a:p>
+            <a:endParaRPr lang="zh-TW" altLang="en-US"/>
+          </a:p>
+        </p:txBody>
       </p:sp>
       <p:sp>
         <p:nvSpPr>
@@ -13955,7 +14884,7 @@
             <a:blip r:embed="rId4">
               <a:extLst>
                 <a:ext uri="{96DAC541-7B7A-43D3-8B79-37D633B846F1}">
-                  <asvg:svgBlip xmlns:asvg="http://schemas.microsoft.com/office/drawing/2016/SVG/main" xmlns="" r:embed="rId5"/>
+                  <asvg:svgBlip xmlns:asvg="http://schemas.microsoft.com/office/drawing/2016/SVG/main" r:embed="rId5"/>
                 </a:ext>
               </a:extLst>
             </a:blip>
@@ -13964,6 +14893,13 @@
             </a:stretch>
           </a:blipFill>
         </p:spPr>
+        <p:txBody>
+          <a:bodyPr/>
+          <a:lstStyle/>
+          <a:p>
+            <a:endParaRPr lang="zh-TW" altLang="en-US"/>
+          </a:p>
+        </p:txBody>
       </p:sp>
       <p:sp>
         <p:nvSpPr>
@@ -14007,7 +14943,7 @@
             <a:blip r:embed="rId6">
               <a:extLst>
                 <a:ext uri="{96DAC541-7B7A-43D3-8B79-37D633B846F1}">
-                  <asvg:svgBlip xmlns:asvg="http://schemas.microsoft.com/office/drawing/2016/SVG/main" xmlns="" r:embed="rId7"/>
+                  <asvg:svgBlip xmlns:asvg="http://schemas.microsoft.com/office/drawing/2016/SVG/main" r:embed="rId7"/>
                 </a:ext>
               </a:extLst>
             </a:blip>
@@ -14016,6 +14952,13 @@
             </a:stretch>
           </a:blipFill>
         </p:spPr>
+        <p:txBody>
+          <a:bodyPr/>
+          <a:lstStyle/>
+          <a:p>
+            <a:endParaRPr lang="zh-TW" altLang="en-US"/>
+          </a:p>
+        </p:txBody>
       </p:sp>
       <p:grpSp>
         <p:nvGrpSpPr>
@@ -14077,6 +15020,13 @@
               <a:miter/>
             </a:ln>
           </p:spPr>
+          <p:txBody>
+            <a:bodyPr/>
+            <a:lstStyle/>
+            <a:p>
+              <a:endParaRPr lang="zh-TW" altLang="en-US"/>
+            </a:p>
+          </p:txBody>
         </p:sp>
         <p:sp>
           <p:nvSpPr>
@@ -14170,6 +15120,13 @@
               <a:miter/>
             </a:ln>
           </p:spPr>
+          <p:txBody>
+            <a:bodyPr/>
+            <a:lstStyle/>
+            <a:p>
+              <a:endParaRPr lang="zh-TW" altLang="en-US"/>
+            </a:p>
+          </p:txBody>
         </p:sp>
         <p:sp>
           <p:nvSpPr>
@@ -14263,6 +15220,13 @@
               <a:miter/>
             </a:ln>
           </p:spPr>
+          <p:txBody>
+            <a:bodyPr/>
+            <a:lstStyle/>
+            <a:p>
+              <a:endParaRPr lang="zh-TW" altLang="en-US"/>
+            </a:p>
+          </p:txBody>
         </p:sp>
         <p:sp>
           <p:nvSpPr>
@@ -14338,7 +15302,7 @@
             <a:blip r:embed="rId8">
               <a:extLst>
                 <a:ext uri="{96DAC541-7B7A-43D3-8B79-37D633B846F1}">
-                  <asvg:svgBlip xmlns:asvg="http://schemas.microsoft.com/office/drawing/2016/SVG/main" xmlns="" r:embed="rId9"/>
+                  <asvg:svgBlip xmlns:asvg="http://schemas.microsoft.com/office/drawing/2016/SVG/main" r:embed="rId9"/>
                 </a:ext>
               </a:extLst>
             </a:blip>
@@ -14347,6 +15311,13 @@
             </a:stretch>
           </a:blipFill>
         </p:spPr>
+        <p:txBody>
+          <a:bodyPr/>
+          <a:lstStyle/>
+          <a:p>
+            <a:endParaRPr lang="zh-TW" altLang="en-US"/>
+          </a:p>
+        </p:txBody>
       </p:sp>
       <p:sp>
         <p:nvSpPr>
@@ -14390,7 +15361,7 @@
             <a:blip r:embed="rId8">
               <a:extLst>
                 <a:ext uri="{96DAC541-7B7A-43D3-8B79-37D633B846F1}">
-                  <asvg:svgBlip xmlns:asvg="http://schemas.microsoft.com/office/drawing/2016/SVG/main" xmlns="" r:embed="rId9"/>
+                  <asvg:svgBlip xmlns:asvg="http://schemas.microsoft.com/office/drawing/2016/SVG/main" r:embed="rId9"/>
                 </a:ext>
               </a:extLst>
             </a:blip>
@@ -14399,6 +15370,13 @@
             </a:stretch>
           </a:blipFill>
         </p:spPr>
+        <p:txBody>
+          <a:bodyPr/>
+          <a:lstStyle/>
+          <a:p>
+            <a:endParaRPr lang="zh-TW" altLang="en-US"/>
+          </a:p>
+        </p:txBody>
       </p:sp>
       <p:grpSp>
         <p:nvGrpSpPr>
@@ -14460,6 +15438,13 @@
               <a:miter/>
             </a:ln>
           </p:spPr>
+          <p:txBody>
+            <a:bodyPr/>
+            <a:lstStyle/>
+            <a:p>
+              <a:endParaRPr lang="zh-TW" altLang="en-US"/>
+            </a:p>
+          </p:txBody>
         </p:sp>
         <p:sp>
           <p:nvSpPr>
@@ -14535,7 +15520,7 @@
             <a:blip r:embed="rId10">
               <a:extLst>
                 <a:ext uri="{96DAC541-7B7A-43D3-8B79-37D633B846F1}">
-                  <asvg:svgBlip xmlns:asvg="http://schemas.microsoft.com/office/drawing/2016/SVG/main" xmlns="" r:embed="rId11"/>
+                  <asvg:svgBlip xmlns:asvg="http://schemas.microsoft.com/office/drawing/2016/SVG/main" r:embed="rId11"/>
                 </a:ext>
               </a:extLst>
             </a:blip>
@@ -14549,6 +15534,13 @@
             <a:miter/>
           </a:ln>
         </p:spPr>
+        <p:txBody>
+          <a:bodyPr/>
+          <a:lstStyle/>
+          <a:p>
+            <a:endParaRPr lang="zh-TW" altLang="en-US"/>
+          </a:p>
+        </p:txBody>
       </p:sp>
       <p:sp>
         <p:nvSpPr>
@@ -14633,7 +15625,7 @@
             <a:blip r:embed="rId12">
               <a:extLst>
                 <a:ext uri="{96DAC541-7B7A-43D3-8B79-37D633B846F1}">
-                  <asvg:svgBlip xmlns:asvg="http://schemas.microsoft.com/office/drawing/2016/SVG/main" xmlns="" r:embed="rId13"/>
+                  <asvg:svgBlip xmlns:asvg="http://schemas.microsoft.com/office/drawing/2016/SVG/main" r:embed="rId13"/>
                 </a:ext>
               </a:extLst>
             </a:blip>
@@ -14642,6 +15634,13 @@
             </a:stretch>
           </a:blipFill>
         </p:spPr>
+        <p:txBody>
+          <a:bodyPr/>
+          <a:lstStyle/>
+          <a:p>
+            <a:endParaRPr lang="zh-TW" altLang="en-US"/>
+          </a:p>
+        </p:txBody>
       </p:sp>
       <p:sp>
         <p:nvSpPr>
